--- a/bwp_study/DOM.pptx
+++ b/bwp_study/DOM.pptx
@@ -5,32 +5,32 @@
     <p:sldMasterId id="2147483648" r:id="rId1"/>
   </p:sldMasterIdLst>
   <p:sldIdLst>
-    <p:sldId id="256" r:id="rId3"/>
-    <p:sldId id="257" r:id="rId4"/>
-    <p:sldId id="258" r:id="rId5"/>
-    <p:sldId id="259" r:id="rId6"/>
-    <p:sldId id="260" r:id="rId7"/>
-    <p:sldId id="261" r:id="rId8"/>
-    <p:sldId id="266" r:id="rId9"/>
-    <p:sldId id="265" r:id="rId10"/>
-    <p:sldId id="264" r:id="rId11"/>
-    <p:sldId id="262" r:id="rId12"/>
-    <p:sldId id="263" r:id="rId13"/>
-    <p:sldId id="268" r:id="rId14"/>
-    <p:sldId id="269" r:id="rId15"/>
-    <p:sldId id="270" r:id="rId16"/>
-    <p:sldId id="267" r:id="rId17"/>
-    <p:sldId id="282" r:id="rId18"/>
-    <p:sldId id="276" r:id="rId19"/>
-    <p:sldId id="277" r:id="rId20"/>
-    <p:sldId id="278" r:id="rId21"/>
-    <p:sldId id="279" r:id="rId22"/>
-    <p:sldId id="280" r:id="rId23"/>
-    <p:sldId id="275" r:id="rId24"/>
-    <p:sldId id="283" r:id="rId25"/>
+    <p:sldId id="256" r:id="rId2"/>
+    <p:sldId id="257" r:id="rId3"/>
+    <p:sldId id="258" r:id="rId4"/>
+    <p:sldId id="259" r:id="rId5"/>
+    <p:sldId id="260" r:id="rId6"/>
+    <p:sldId id="261" r:id="rId7"/>
+    <p:sldId id="266" r:id="rId8"/>
+    <p:sldId id="265" r:id="rId9"/>
+    <p:sldId id="264" r:id="rId10"/>
+    <p:sldId id="262" r:id="rId11"/>
+    <p:sldId id="263" r:id="rId12"/>
+    <p:sldId id="268" r:id="rId13"/>
+    <p:sldId id="269" r:id="rId14"/>
+    <p:sldId id="270" r:id="rId15"/>
+    <p:sldId id="267" r:id="rId16"/>
+    <p:sldId id="282" r:id="rId17"/>
+    <p:sldId id="276" r:id="rId18"/>
+    <p:sldId id="277" r:id="rId19"/>
+    <p:sldId id="278" r:id="rId20"/>
+    <p:sldId id="279" r:id="rId21"/>
+    <p:sldId id="280" r:id="rId22"/>
+    <p:sldId id="275" r:id="rId23"/>
+    <p:sldId id="283" r:id="rId24"/>
   </p:sldIdLst>
   <p:sldSz cx="12192000" cy="6858000"/>
-  <p:notesSz cx="7103745" cy="10234295"/>
+  <p:notesSz cx="7104063" cy="10234613"/>
   <p:defaultTextStyle>
     <a:defPPr>
       <a:defRPr lang="en-US"/>
@@ -126,6 +126,25 @@
       </a:defRPr>
     </a:lvl9pPr>
   </p:defaultTextStyle>
+  <p:extLst>
+    <p:ext uri="{EFAFB233-063F-42B5-8137-9DF3F51BA10A}">
+      <p15:sldGuideLst xmlns:p15="http://schemas.microsoft.com/office/powerpoint/2012/main">
+        <p15:guide id="1" orient="horz" pos="2127">
+          <p15:clr>
+            <a:srgbClr val="A4A3A4"/>
+          </p15:clr>
+        </p15:guide>
+        <p15:guide id="2" pos="3828">
+          <p15:clr>
+            <a:srgbClr val="A4A3A4"/>
+          </p15:clr>
+        </p15:guide>
+      </p15:sldGuideLst>
+    </p:ext>
+    <p:ext uri="{2D200454-40CA-4A62-9FC3-DE9A4176ACB9}">
+      <p15:notesGuideLst xmlns:p15="http://schemas.microsoft.com/office/powerpoint/2012/main"/>
+    </p:ext>
+  </p:extLst>
 </p:presentation>
 </file>
 
@@ -171,10 +190,9 @@
           </a:lstStyle>
           <a:p>
             <a:r>
-              <a:rPr lang="en-US" smtClean="0"/>
+              <a:rPr lang="en-US"/>
               <a:t>Click to edit Master title style</a:t>
             </a:r>
-            <a:endParaRPr lang="en-US"/>
           </a:p>
         </p:txBody>
       </p:sp>
@@ -236,10 +254,9 @@
           </a:lstStyle>
           <a:p>
             <a:r>
-              <a:rPr lang="en-US" smtClean="0"/>
+              <a:rPr lang="en-US"/>
               <a:t>Click to edit Master subtitle style</a:t>
             </a:r>
-            <a:endParaRPr lang="en-US"/>
           </a:p>
         </p:txBody>
       </p:sp>
@@ -260,6 +277,7 @@
           <a:p>
             <a:fld id="{FDE934FF-F4E1-47C5-9CA5-30A81DDE2BE4}" type="datetimeFigureOut">
               <a:rPr lang="en-US" smtClean="0"/>
+              <a:t>10/18/2024</a:t>
             </a:fld>
             <a:endParaRPr lang="en-US"/>
           </a:p>
@@ -301,6 +319,7 @@
           <a:p>
             <a:fld id="{B3561BA9-CDCF-4958-B8AB-66F3BF063E13}" type="slidenum">
               <a:rPr lang="en-US" smtClean="0"/>
+              <a:t>‹#›</a:t>
             </a:fld>
             <a:endParaRPr lang="en-US"/>
           </a:p>
@@ -353,42 +372,37 @@
           <a:p>
             <a:pPr lvl="0"/>
             <a:r>
-              <a:rPr lang="en-US" smtClean="0"/>
+              <a:rPr lang="en-US"/>
               <a:t>Click to edit Master text styles</a:t>
             </a:r>
-            <a:endParaRPr lang="en-US" smtClean="0"/>
-          </a:p>
-          <a:p>
-            <a:pPr lvl="1"/>
-            <a:r>
-              <a:rPr lang="en-US" smtClean="0"/>
+          </a:p>
+          <a:p>
+            <a:pPr lvl="1"/>
+            <a:r>
+              <a:rPr lang="en-US"/>
               <a:t>Second level</a:t>
             </a:r>
-            <a:endParaRPr lang="en-US" smtClean="0"/>
           </a:p>
           <a:p>
             <a:pPr lvl="2"/>
             <a:r>
-              <a:rPr lang="en-US" smtClean="0"/>
+              <a:rPr lang="en-US"/>
               <a:t>Third level</a:t>
             </a:r>
-            <a:endParaRPr lang="en-US" smtClean="0"/>
           </a:p>
           <a:p>
             <a:pPr lvl="3"/>
             <a:r>
-              <a:rPr lang="en-US" smtClean="0"/>
+              <a:rPr lang="en-US"/>
               <a:t>Fourth level</a:t>
             </a:r>
-            <a:endParaRPr lang="en-US" smtClean="0"/>
           </a:p>
           <a:p>
             <a:pPr lvl="4"/>
             <a:r>
-              <a:rPr lang="en-US" smtClean="0"/>
+              <a:rPr lang="en-US"/>
               <a:t>Fifth level</a:t>
             </a:r>
-            <a:endParaRPr lang="en-US"/>
           </a:p>
         </p:txBody>
       </p:sp>
@@ -409,6 +423,7 @@
           <a:p>
             <a:fld id="{FDE934FF-F4E1-47C5-9CA5-30A81DDE2BE4}" type="datetimeFigureOut">
               <a:rPr lang="en-US" smtClean="0"/>
+              <a:t>10/18/2024</a:t>
             </a:fld>
             <a:endParaRPr lang="en-US"/>
           </a:p>
@@ -450,6 +465,7 @@
           <a:p>
             <a:fld id="{B3561BA9-CDCF-4958-B8AB-66F3BF063E13}" type="slidenum">
               <a:rPr lang="en-US" smtClean="0"/>
+              <a:t>‹#›</a:t>
             </a:fld>
             <a:endParaRPr lang="en-US"/>
           </a:p>
@@ -496,10 +512,9 @@
           <a:lstStyle/>
           <a:p>
             <a:r>
-              <a:rPr lang="en-US" smtClean="0"/>
+              <a:rPr lang="en-US"/>
               <a:t>Click to edit Master title style</a:t>
             </a:r>
-            <a:endParaRPr lang="en-US"/>
           </a:p>
         </p:txBody>
       </p:sp>
@@ -520,42 +535,37 @@
           <a:p>
             <a:pPr lvl="0"/>
             <a:r>
-              <a:rPr lang="en-US" smtClean="0"/>
+              <a:rPr lang="en-US"/>
               <a:t>Click to edit Master text styles</a:t>
             </a:r>
-            <a:endParaRPr lang="en-US" smtClean="0"/>
-          </a:p>
-          <a:p>
-            <a:pPr lvl="1"/>
-            <a:r>
-              <a:rPr lang="en-US" smtClean="0"/>
+          </a:p>
+          <a:p>
+            <a:pPr lvl="1"/>
+            <a:r>
+              <a:rPr lang="en-US"/>
               <a:t>Second level</a:t>
             </a:r>
-            <a:endParaRPr lang="en-US" smtClean="0"/>
           </a:p>
           <a:p>
             <a:pPr lvl="2"/>
             <a:r>
-              <a:rPr lang="en-US" smtClean="0"/>
+              <a:rPr lang="en-US"/>
               <a:t>Third level</a:t>
             </a:r>
-            <a:endParaRPr lang="en-US" smtClean="0"/>
           </a:p>
           <a:p>
             <a:pPr lvl="3"/>
             <a:r>
-              <a:rPr lang="en-US" smtClean="0"/>
+              <a:rPr lang="en-US"/>
               <a:t>Fourth level</a:t>
             </a:r>
-            <a:endParaRPr lang="en-US" smtClean="0"/>
           </a:p>
           <a:p>
             <a:pPr lvl="4"/>
             <a:r>
-              <a:rPr lang="en-US" smtClean="0"/>
+              <a:rPr lang="en-US"/>
               <a:t>Fifth level</a:t>
             </a:r>
-            <a:endParaRPr lang="en-US"/>
           </a:p>
         </p:txBody>
       </p:sp>
@@ -576,6 +586,7 @@
           <a:p>
             <a:fld id="{FDE934FF-F4E1-47C5-9CA5-30A81DDE2BE4}" type="datetimeFigureOut">
               <a:rPr lang="en-US" smtClean="0"/>
+              <a:t>10/18/2024</a:t>
             </a:fld>
             <a:endParaRPr lang="en-US"/>
           </a:p>
@@ -617,6 +628,7 @@
           <a:p>
             <a:fld id="{B3561BA9-CDCF-4958-B8AB-66F3BF063E13}" type="slidenum">
               <a:rPr lang="en-US" smtClean="0"/>
+              <a:t>‹#›</a:t>
             </a:fld>
             <a:endParaRPr lang="en-US"/>
           </a:p>
@@ -672,10 +684,9 @@
           </a:lstStyle>
           <a:p>
             <a:r>
-              <a:rPr lang="en-US" smtClean="0"/>
+              <a:rPr lang="en-US"/>
               <a:t>Click to edit Master title style</a:t>
             </a:r>
-            <a:endParaRPr lang="en-US"/>
           </a:p>
         </p:txBody>
       </p:sp>
@@ -792,10 +803,9 @@
           <a:p>
             <a:pPr lvl="0"/>
             <a:r>
-              <a:rPr lang="en-US" smtClean="0"/>
+              <a:rPr lang="en-US"/>
               <a:t>Click to edit Master text styles</a:t>
             </a:r>
-            <a:endParaRPr lang="en-US" smtClean="0"/>
           </a:p>
         </p:txBody>
       </p:sp>
@@ -816,6 +826,7 @@
           <a:p>
             <a:fld id="{FDE934FF-F4E1-47C5-9CA5-30A81DDE2BE4}" type="datetimeFigureOut">
               <a:rPr lang="en-US" smtClean="0"/>
+              <a:t>10/18/2024</a:t>
             </a:fld>
             <a:endParaRPr lang="en-US"/>
           </a:p>
@@ -857,6 +868,7 @@
           <a:p>
             <a:fld id="{B3561BA9-CDCF-4958-B8AB-66F3BF063E13}" type="slidenum">
               <a:rPr lang="en-US" smtClean="0"/>
+              <a:t>‹#›</a:t>
             </a:fld>
             <a:endParaRPr lang="en-US"/>
           </a:p>
@@ -903,10 +915,9 @@
           <a:lstStyle/>
           <a:p>
             <a:r>
-              <a:rPr lang="en-US" smtClean="0"/>
+              <a:rPr lang="en-US"/>
               <a:t>Click to edit Master title style</a:t>
             </a:r>
-            <a:endParaRPr lang="en-US"/>
           </a:p>
         </p:txBody>
       </p:sp>
@@ -932,42 +943,37 @@
           <a:p>
             <a:pPr lvl="0"/>
             <a:r>
-              <a:rPr lang="en-US" smtClean="0"/>
+              <a:rPr lang="en-US"/>
               <a:t>Click to edit Master text styles</a:t>
             </a:r>
-            <a:endParaRPr lang="en-US" smtClean="0"/>
-          </a:p>
-          <a:p>
-            <a:pPr lvl="1"/>
-            <a:r>
-              <a:rPr lang="en-US" smtClean="0"/>
+          </a:p>
+          <a:p>
+            <a:pPr lvl="1"/>
+            <a:r>
+              <a:rPr lang="en-US"/>
               <a:t>Second level</a:t>
             </a:r>
-            <a:endParaRPr lang="en-US" smtClean="0"/>
           </a:p>
           <a:p>
             <a:pPr lvl="2"/>
             <a:r>
-              <a:rPr lang="en-US" smtClean="0"/>
+              <a:rPr lang="en-US"/>
               <a:t>Third level</a:t>
             </a:r>
-            <a:endParaRPr lang="en-US" smtClean="0"/>
           </a:p>
           <a:p>
             <a:pPr lvl="3"/>
             <a:r>
-              <a:rPr lang="en-US" smtClean="0"/>
+              <a:rPr lang="en-US"/>
               <a:t>Fourth level</a:t>
             </a:r>
-            <a:endParaRPr lang="en-US" smtClean="0"/>
           </a:p>
           <a:p>
             <a:pPr lvl="4"/>
             <a:r>
-              <a:rPr lang="en-US" smtClean="0"/>
+              <a:rPr lang="en-US"/>
               <a:t>Fifth level</a:t>
             </a:r>
-            <a:endParaRPr lang="en-US"/>
           </a:p>
         </p:txBody>
       </p:sp>
@@ -993,42 +999,37 @@
           <a:p>
             <a:pPr lvl="0"/>
             <a:r>
-              <a:rPr lang="en-US" smtClean="0"/>
+              <a:rPr lang="en-US"/>
               <a:t>Click to edit Master text styles</a:t>
             </a:r>
-            <a:endParaRPr lang="en-US" smtClean="0"/>
-          </a:p>
-          <a:p>
-            <a:pPr lvl="1"/>
-            <a:r>
-              <a:rPr lang="en-US" smtClean="0"/>
+          </a:p>
+          <a:p>
+            <a:pPr lvl="1"/>
+            <a:r>
+              <a:rPr lang="en-US"/>
               <a:t>Second level</a:t>
             </a:r>
-            <a:endParaRPr lang="en-US" smtClean="0"/>
           </a:p>
           <a:p>
             <a:pPr lvl="2"/>
             <a:r>
-              <a:rPr lang="en-US" smtClean="0"/>
+              <a:rPr lang="en-US"/>
               <a:t>Third level</a:t>
             </a:r>
-            <a:endParaRPr lang="en-US" smtClean="0"/>
           </a:p>
           <a:p>
             <a:pPr lvl="3"/>
             <a:r>
-              <a:rPr lang="en-US" smtClean="0"/>
+              <a:rPr lang="en-US"/>
               <a:t>Fourth level</a:t>
             </a:r>
-            <a:endParaRPr lang="en-US" smtClean="0"/>
           </a:p>
           <a:p>
             <a:pPr lvl="4"/>
             <a:r>
-              <a:rPr lang="en-US" smtClean="0"/>
+              <a:rPr lang="en-US"/>
               <a:t>Fifth level</a:t>
             </a:r>
-            <a:endParaRPr lang="en-US"/>
           </a:p>
         </p:txBody>
       </p:sp>
@@ -1049,6 +1050,7 @@
           <a:p>
             <a:fld id="{FDE934FF-F4E1-47C5-9CA5-30A81DDE2BE4}" type="datetimeFigureOut">
               <a:rPr lang="en-US" smtClean="0"/>
+              <a:t>10/18/2024</a:t>
             </a:fld>
             <a:endParaRPr lang="en-US"/>
           </a:p>
@@ -1090,6 +1092,7 @@
           <a:p>
             <a:fld id="{B3561BA9-CDCF-4958-B8AB-66F3BF063E13}" type="slidenum">
               <a:rPr lang="en-US" smtClean="0"/>
+              <a:t>‹#›</a:t>
             </a:fld>
             <a:endParaRPr lang="en-US"/>
           </a:p>
@@ -1141,10 +1144,9 @@
           <a:lstStyle/>
           <a:p>
             <a:r>
-              <a:rPr lang="en-US" smtClean="0"/>
+              <a:rPr lang="en-US"/>
               <a:t>Click to edit Master title style</a:t>
             </a:r>
-            <a:endParaRPr lang="en-US"/>
           </a:p>
         </p:txBody>
       </p:sp>
@@ -1207,10 +1209,9 @@
           <a:p>
             <a:pPr lvl="0"/>
             <a:r>
-              <a:rPr lang="en-US" smtClean="0"/>
+              <a:rPr lang="en-US"/>
               <a:t>Click to edit Master text styles</a:t>
             </a:r>
-            <a:endParaRPr lang="en-US" smtClean="0"/>
           </a:p>
         </p:txBody>
       </p:sp>
@@ -1236,42 +1237,37 @@
           <a:p>
             <a:pPr lvl="0"/>
             <a:r>
-              <a:rPr lang="en-US" smtClean="0"/>
+              <a:rPr lang="en-US"/>
               <a:t>Click to edit Master text styles</a:t>
             </a:r>
-            <a:endParaRPr lang="en-US" smtClean="0"/>
-          </a:p>
-          <a:p>
-            <a:pPr lvl="1"/>
-            <a:r>
-              <a:rPr lang="en-US" smtClean="0"/>
+          </a:p>
+          <a:p>
+            <a:pPr lvl="1"/>
+            <a:r>
+              <a:rPr lang="en-US"/>
               <a:t>Second level</a:t>
             </a:r>
-            <a:endParaRPr lang="en-US" smtClean="0"/>
           </a:p>
           <a:p>
             <a:pPr lvl="2"/>
             <a:r>
-              <a:rPr lang="en-US" smtClean="0"/>
+              <a:rPr lang="en-US"/>
               <a:t>Third level</a:t>
             </a:r>
-            <a:endParaRPr lang="en-US" smtClean="0"/>
           </a:p>
           <a:p>
             <a:pPr lvl="3"/>
             <a:r>
-              <a:rPr lang="en-US" smtClean="0"/>
+              <a:rPr lang="en-US"/>
               <a:t>Fourth level</a:t>
             </a:r>
-            <a:endParaRPr lang="en-US" smtClean="0"/>
           </a:p>
           <a:p>
             <a:pPr lvl="4"/>
             <a:r>
-              <a:rPr lang="en-US" smtClean="0"/>
+              <a:rPr lang="en-US"/>
               <a:t>Fifth level</a:t>
             </a:r>
-            <a:endParaRPr lang="en-US"/>
           </a:p>
         </p:txBody>
       </p:sp>
@@ -1334,10 +1330,9 @@
           <a:p>
             <a:pPr lvl="0"/>
             <a:r>
-              <a:rPr lang="en-US" smtClean="0"/>
+              <a:rPr lang="en-US"/>
               <a:t>Click to edit Master text styles</a:t>
             </a:r>
-            <a:endParaRPr lang="en-US" smtClean="0"/>
           </a:p>
         </p:txBody>
       </p:sp>
@@ -1363,42 +1358,37 @@
           <a:p>
             <a:pPr lvl="0"/>
             <a:r>
-              <a:rPr lang="en-US" smtClean="0"/>
+              <a:rPr lang="en-US"/>
               <a:t>Click to edit Master text styles</a:t>
             </a:r>
-            <a:endParaRPr lang="en-US" smtClean="0"/>
-          </a:p>
-          <a:p>
-            <a:pPr lvl="1"/>
-            <a:r>
-              <a:rPr lang="en-US" smtClean="0"/>
+          </a:p>
+          <a:p>
+            <a:pPr lvl="1"/>
+            <a:r>
+              <a:rPr lang="en-US"/>
               <a:t>Second level</a:t>
             </a:r>
-            <a:endParaRPr lang="en-US" smtClean="0"/>
           </a:p>
           <a:p>
             <a:pPr lvl="2"/>
             <a:r>
-              <a:rPr lang="en-US" smtClean="0"/>
+              <a:rPr lang="en-US"/>
               <a:t>Third level</a:t>
             </a:r>
-            <a:endParaRPr lang="en-US" smtClean="0"/>
           </a:p>
           <a:p>
             <a:pPr lvl="3"/>
             <a:r>
-              <a:rPr lang="en-US" smtClean="0"/>
+              <a:rPr lang="en-US"/>
               <a:t>Fourth level</a:t>
             </a:r>
-            <a:endParaRPr lang="en-US" smtClean="0"/>
           </a:p>
           <a:p>
             <a:pPr lvl="4"/>
             <a:r>
-              <a:rPr lang="en-US" smtClean="0"/>
+              <a:rPr lang="en-US"/>
               <a:t>Fifth level</a:t>
             </a:r>
-            <a:endParaRPr lang="en-US"/>
           </a:p>
         </p:txBody>
       </p:sp>
@@ -1419,6 +1409,7 @@
           <a:p>
             <a:fld id="{FDE934FF-F4E1-47C5-9CA5-30A81DDE2BE4}" type="datetimeFigureOut">
               <a:rPr lang="en-US" smtClean="0"/>
+              <a:t>10/18/2024</a:t>
             </a:fld>
             <a:endParaRPr lang="en-US"/>
           </a:p>
@@ -1460,6 +1451,7 @@
           <a:p>
             <a:fld id="{B3561BA9-CDCF-4958-B8AB-66F3BF063E13}" type="slidenum">
               <a:rPr lang="en-US" smtClean="0"/>
+              <a:t>‹#›</a:t>
             </a:fld>
             <a:endParaRPr lang="en-US"/>
           </a:p>
@@ -1506,10 +1498,9 @@
           <a:lstStyle/>
           <a:p>
             <a:r>
-              <a:rPr lang="en-US" smtClean="0"/>
+              <a:rPr lang="en-US"/>
               <a:t>Click to edit Master title style</a:t>
             </a:r>
-            <a:endParaRPr lang="en-US"/>
           </a:p>
         </p:txBody>
       </p:sp>
@@ -1530,6 +1521,7 @@
           <a:p>
             <a:fld id="{FDE934FF-F4E1-47C5-9CA5-30A81DDE2BE4}" type="datetimeFigureOut">
               <a:rPr lang="en-US" smtClean="0"/>
+              <a:t>10/18/2024</a:t>
             </a:fld>
             <a:endParaRPr lang="en-US"/>
           </a:p>
@@ -1571,6 +1563,7 @@
           <a:p>
             <a:fld id="{B3561BA9-CDCF-4958-B8AB-66F3BF063E13}" type="slidenum">
               <a:rPr lang="en-US" smtClean="0"/>
+              <a:t>‹#›</a:t>
             </a:fld>
             <a:endParaRPr lang="en-US"/>
           </a:p>
@@ -1618,6 +1611,7 @@
           <a:p>
             <a:fld id="{FDE934FF-F4E1-47C5-9CA5-30A81DDE2BE4}" type="datetimeFigureOut">
               <a:rPr lang="en-US" smtClean="0"/>
+              <a:t>10/18/2024</a:t>
             </a:fld>
             <a:endParaRPr lang="en-US"/>
           </a:p>
@@ -1659,6 +1653,7 @@
           <a:p>
             <a:fld id="{B3561BA9-CDCF-4958-B8AB-66F3BF063E13}" type="slidenum">
               <a:rPr lang="en-US" smtClean="0"/>
+              <a:t>‹#›</a:t>
             </a:fld>
             <a:endParaRPr lang="en-US"/>
           </a:p>
@@ -1714,10 +1709,9 @@
           </a:lstStyle>
           <a:p>
             <a:r>
-              <a:rPr lang="en-US" smtClean="0"/>
+              <a:rPr lang="en-US"/>
               <a:t>Click to edit Master title style</a:t>
             </a:r>
-            <a:endParaRPr lang="en-US"/>
           </a:p>
         </p:txBody>
       </p:sp>
@@ -1841,10 +1835,9 @@
           <a:p>
             <a:pPr lvl="0"/>
             <a:r>
-              <a:rPr lang="en-US" smtClean="0"/>
+              <a:rPr lang="en-US"/>
               <a:t>Click to edit Master text styles</a:t>
             </a:r>
-            <a:endParaRPr lang="en-US" smtClean="0"/>
           </a:p>
         </p:txBody>
       </p:sp>
@@ -1865,6 +1858,7 @@
           <a:p>
             <a:fld id="{FDE934FF-F4E1-47C5-9CA5-30A81DDE2BE4}" type="datetimeFigureOut">
               <a:rPr lang="en-US" smtClean="0"/>
+              <a:t>10/18/2024</a:t>
             </a:fld>
             <a:endParaRPr lang="en-US"/>
           </a:p>
@@ -1906,6 +1900,7 @@
           <a:p>
             <a:fld id="{B3561BA9-CDCF-4958-B8AB-66F3BF063E13}" type="slidenum">
               <a:rPr lang="en-US" smtClean="0"/>
+              <a:t>‹#›</a:t>
             </a:fld>
             <a:endParaRPr lang="en-US"/>
           </a:p>
@@ -1916,13 +1911,6 @@
   <p:clrMapOvr>
     <a:masterClrMapping/>
   </p:clrMapOvr>
-  <p:timing>
-    <p:tnLst>
-      <p:par>
-        <p:cTn id="1" dur="indefinite" restart="never" nodeType="tmRoot"/>
-      </p:par>
-    </p:tnLst>
-  </p:timing>
 </p:sldLayout>
 </file>
 
@@ -1964,10 +1952,9 @@
           <a:lstStyle/>
           <a:p>
             <a:r>
-              <a:rPr lang="en-US" smtClean="0"/>
+              <a:rPr lang="en-US"/>
               <a:t>Click to edit Master title style</a:t>
             </a:r>
-            <a:endParaRPr lang="en-US"/>
           </a:p>
         </p:txBody>
       </p:sp>
@@ -1993,42 +1980,37 @@
           <a:p>
             <a:pPr lvl="0"/>
             <a:r>
-              <a:rPr lang="en-US" smtClean="0"/>
+              <a:rPr lang="en-US"/>
               <a:t>Click to edit Master text styles</a:t>
             </a:r>
-            <a:endParaRPr lang="en-US" smtClean="0"/>
-          </a:p>
-          <a:p>
-            <a:pPr lvl="1"/>
-            <a:r>
-              <a:rPr lang="en-US" smtClean="0"/>
+          </a:p>
+          <a:p>
+            <a:pPr lvl="1"/>
+            <a:r>
+              <a:rPr lang="en-US"/>
               <a:t>Second level</a:t>
             </a:r>
-            <a:endParaRPr lang="en-US" smtClean="0"/>
           </a:p>
           <a:p>
             <a:pPr lvl="2"/>
             <a:r>
-              <a:rPr lang="en-US" smtClean="0"/>
+              <a:rPr lang="en-US"/>
               <a:t>Third level</a:t>
             </a:r>
-            <a:endParaRPr lang="en-US" smtClean="0"/>
           </a:p>
           <a:p>
             <a:pPr lvl="3"/>
             <a:r>
-              <a:rPr lang="en-US" smtClean="0"/>
+              <a:rPr lang="en-US"/>
               <a:t>Fourth level</a:t>
             </a:r>
-            <a:endParaRPr lang="en-US" smtClean="0"/>
           </a:p>
           <a:p>
             <a:pPr lvl="4"/>
             <a:r>
-              <a:rPr lang="en-US" smtClean="0"/>
+              <a:rPr lang="en-US"/>
               <a:t>Fifth level</a:t>
             </a:r>
-            <a:endParaRPr lang="en-US"/>
           </a:p>
         </p:txBody>
       </p:sp>
@@ -2049,6 +2031,7 @@
           <a:p>
             <a:fld id="{FDE934FF-F4E1-47C5-9CA5-30A81DDE2BE4}" type="datetimeFigureOut">
               <a:rPr lang="en-US" smtClean="0"/>
+              <a:t>10/18/2024</a:t>
             </a:fld>
             <a:endParaRPr lang="en-US"/>
           </a:p>
@@ -2090,6 +2073,7 @@
           <a:p>
             <a:fld id="{B3561BA9-CDCF-4958-B8AB-66F3BF063E13}" type="slidenum">
               <a:rPr lang="en-US" smtClean="0"/>
+              <a:t>‹#›</a:t>
             </a:fld>
             <a:endParaRPr lang="en-US"/>
           </a:p>
@@ -2151,10 +2135,9 @@
           <a:lstStyle/>
           <a:p>
             <a:r>
-              <a:rPr lang="en-US" smtClean="0"/>
+              <a:rPr lang="en-US"/>
               <a:t>Click to edit Master title style</a:t>
             </a:r>
-            <a:endParaRPr lang="en-US"/>
           </a:p>
         </p:txBody>
       </p:sp>
@@ -2185,42 +2168,37 @@
           <a:p>
             <a:pPr lvl="0"/>
             <a:r>
-              <a:rPr lang="en-US" smtClean="0"/>
+              <a:rPr lang="en-US"/>
               <a:t>Click to edit Master text styles</a:t>
             </a:r>
-            <a:endParaRPr lang="en-US" smtClean="0"/>
-          </a:p>
-          <a:p>
-            <a:pPr lvl="1"/>
-            <a:r>
-              <a:rPr lang="en-US" smtClean="0"/>
+          </a:p>
+          <a:p>
+            <a:pPr lvl="1"/>
+            <a:r>
+              <a:rPr lang="en-US"/>
               <a:t>Second level</a:t>
             </a:r>
-            <a:endParaRPr lang="en-US" smtClean="0"/>
           </a:p>
           <a:p>
             <a:pPr lvl="2"/>
             <a:r>
-              <a:rPr lang="en-US" smtClean="0"/>
+              <a:rPr lang="en-US"/>
               <a:t>Third level</a:t>
             </a:r>
-            <a:endParaRPr lang="en-US" smtClean="0"/>
           </a:p>
           <a:p>
             <a:pPr lvl="3"/>
             <a:r>
-              <a:rPr lang="en-US" smtClean="0"/>
+              <a:rPr lang="en-US"/>
               <a:t>Fourth level</a:t>
             </a:r>
-            <a:endParaRPr lang="en-US" smtClean="0"/>
           </a:p>
           <a:p>
             <a:pPr lvl="4"/>
             <a:r>
-              <a:rPr lang="en-US" smtClean="0"/>
+              <a:rPr lang="en-US"/>
               <a:t>Fifth level</a:t>
             </a:r>
-            <a:endParaRPr lang="en-US"/>
           </a:p>
         </p:txBody>
       </p:sp>
@@ -2259,6 +2237,7 @@
           <a:p>
             <a:fld id="{FDE934FF-F4E1-47C5-9CA5-30A81DDE2BE4}" type="datetimeFigureOut">
               <a:rPr lang="en-US" smtClean="0"/>
+              <a:t>10/18/2024</a:t>
             </a:fld>
             <a:endParaRPr lang="en-US"/>
           </a:p>
@@ -2336,6 +2315,7 @@
           <a:p>
             <a:fld id="{B3561BA9-CDCF-4958-B8AB-66F3BF063E13}" type="slidenum">
               <a:rPr lang="en-US" smtClean="0"/>
+              <a:t>‹#›</a:t>
             </a:fld>
             <a:endParaRPr lang="en-US"/>
           </a:p>
@@ -2675,7 +2655,6 @@
               <a:rPr lang="en-US"/>
               <a:t>DOM(Document Object Model)</a:t>
             </a:r>
-            <a:endParaRPr lang="en-US"/>
           </a:p>
         </p:txBody>
       </p:sp>
@@ -2728,7 +2707,6 @@
               <a:rPr lang="en-US"/>
               <a:t>HTML DOM Elements</a:t>
             </a:r>
-            <a:endParaRPr lang="en-US"/>
           </a:p>
         </p:txBody>
       </p:sp>
@@ -2761,7 +2739,6 @@
               <a:rPr lang="en-US" sz="1800" b="1"/>
               <a:t>Finding HTML Elements</a:t>
             </a:r>
-            <a:endParaRPr lang="en-US" sz="1800" b="1"/>
           </a:p>
           <a:p>
             <a:pPr lvl="1"/>
@@ -2769,7 +2746,6 @@
               <a:rPr lang="en-US" sz="1800"/>
               <a:t> Finding HTML elements by id</a:t>
             </a:r>
-            <a:endParaRPr lang="en-US" sz="1800"/>
           </a:p>
           <a:p>
             <a:pPr lvl="1"/>
@@ -2777,7 +2753,6 @@
               <a:rPr lang="en-US" sz="1800"/>
               <a:t> Finding HTML elements by tag name</a:t>
             </a:r>
-            <a:endParaRPr lang="en-US" sz="1800"/>
           </a:p>
           <a:p>
             <a:pPr lvl="1"/>
@@ -2785,7 +2760,6 @@
               <a:rPr lang="en-US" sz="1800"/>
               <a:t> Finding HTML elements by class name</a:t>
             </a:r>
-            <a:endParaRPr lang="en-US" sz="1800"/>
           </a:p>
           <a:p>
             <a:pPr lvl="1"/>
@@ -2793,7 +2767,6 @@
               <a:rPr lang="en-US" sz="1800"/>
               <a:t> Finding HTML elements by CSS selectors</a:t>
             </a:r>
-            <a:endParaRPr lang="en-US" sz="1800"/>
           </a:p>
           <a:p>
             <a:pPr lvl="1"/>
@@ -2801,7 +2774,6 @@
               <a:rPr lang="en-US" sz="1800"/>
               <a:t> Finding HTML elements by HTML object collections</a:t>
             </a:r>
-            <a:endParaRPr lang="en-US" sz="1800"/>
           </a:p>
           <a:p>
             <a:pPr marL="0" indent="0">
@@ -2811,7 +2783,6 @@
               <a:rPr lang="en-US" sz="1800" b="1"/>
               <a:t>Finding HTML Element by Id</a:t>
             </a:r>
-            <a:endParaRPr lang="en-US" sz="1800" b="1"/>
           </a:p>
           <a:p>
             <a:pPr marL="457200" lvl="1" indent="0">
@@ -2821,21 +2792,18 @@
               <a:rPr lang="en-US" sz="1800"/>
               <a:t>var myElement = document.getElementById("intro");</a:t>
             </a:r>
-            <a:endParaRPr lang="en-US" sz="1800"/>
           </a:p>
           <a:p>
             <a:r>
               <a:rPr lang="en-US" sz="1800"/>
               <a:t>If the element is found, the method will return the element as an object (in myElement).</a:t>
             </a:r>
-            <a:endParaRPr lang="en-US" sz="1800"/>
           </a:p>
           <a:p>
             <a:r>
               <a:rPr lang="en-US" sz="1800"/>
               <a:t>If the element is not found, myElement will contain null.</a:t>
             </a:r>
-            <a:endParaRPr lang="en-US" sz="1800"/>
           </a:p>
           <a:p>
             <a:pPr marL="0" indent="0">
@@ -2845,7 +2813,6 @@
               <a:rPr lang="en-US" sz="1800" b="1"/>
               <a:t>Finding HTML Elements by Tag Name</a:t>
             </a:r>
-            <a:endParaRPr lang="en-US" sz="1800" b="1"/>
           </a:p>
           <a:p>
             <a:pPr marL="457200" lvl="1" indent="0">
@@ -2855,14 +2822,12 @@
               <a:rPr lang="en-US" sz="1800"/>
               <a:t>var x = document.getElementsByTagName("p");</a:t>
             </a:r>
-            <a:endParaRPr lang="en-US" sz="1800"/>
           </a:p>
           <a:p>
             <a:r>
               <a:rPr lang="en-US" sz="1800"/>
               <a:t>finds all &lt;p&gt; elements</a:t>
             </a:r>
-            <a:endParaRPr lang="en-US" sz="1800"/>
           </a:p>
           <a:p>
             <a:pPr marL="0" indent="0">
@@ -2872,21 +2837,18 @@
               <a:rPr lang="en-US" sz="1800" b="1"/>
               <a:t>Finding HTML Elements by Class Name</a:t>
             </a:r>
-            <a:endParaRPr lang="en-US" sz="1800" b="1"/>
           </a:p>
           <a:p>
             <a:r>
               <a:rPr lang="en-US" sz="1800"/>
               <a:t>If you want to find all HTML elements with the same class name, use getElementsByClassName().</a:t>
             </a:r>
-            <a:endParaRPr lang="en-US" sz="1800"/>
           </a:p>
           <a:p>
             <a:r>
               <a:rPr lang="en-US" sz="1800"/>
               <a:t>This example returns a list of all elements with class="intro".</a:t>
             </a:r>
-            <a:endParaRPr lang="en-US" sz="1800"/>
           </a:p>
           <a:p>
             <a:pPr marL="457200" lvl="1" indent="0">
@@ -2896,7 +2858,6 @@
               <a:rPr lang="en-US" sz="1800"/>
               <a:t>var x = document.getElementsByClassName("intro"); </a:t>
             </a:r>
-            <a:endParaRPr lang="en-US" sz="1800"/>
           </a:p>
         </p:txBody>
       </p:sp>
@@ -2954,21 +2915,18 @@
               <a:rPr lang="en-US" sz="2400" b="1"/>
               <a:t>Finding HTML Elements by CSS Selectors</a:t>
             </a:r>
-            <a:endParaRPr lang="en-US" sz="2400" b="1"/>
           </a:p>
           <a:p>
             <a:r>
               <a:rPr lang="en-US" sz="2400"/>
               <a:t>If you want to find all HTML elements that match a specified CSS selector (id, class names, types, attributes, values of attributes, etc), use the querySelectorAll() method.</a:t>
             </a:r>
-            <a:endParaRPr lang="en-US" sz="2400"/>
           </a:p>
           <a:p>
             <a:r>
               <a:rPr lang="en-US" sz="2400"/>
               <a:t>This example returns a list of all &lt;p&gt; elements with class="intro".</a:t>
             </a:r>
-            <a:endParaRPr lang="en-US" sz="2400"/>
           </a:p>
           <a:p>
             <a:pPr marL="457200" lvl="1" indent="0">
@@ -2978,7 +2936,6 @@
               <a:rPr lang="en-US" sz="2400"/>
               <a:t>var x = document.querySelectorAll("p.intro"); </a:t>
             </a:r>
-            <a:endParaRPr lang="en-US" sz="2400"/>
           </a:p>
           <a:p>
             <a:r>
@@ -2989,7 +2946,6 @@
               <a:rPr lang="en-US" altLang="en-US" sz="2400"/>
               <a:t>The querySelectorAll() method does not work in Internet Explorer 8 and earlier versions.</a:t>
             </a:r>
-            <a:endParaRPr lang="en-US" altLang="en-US" sz="2400"/>
           </a:p>
           <a:p>
             <a:pPr marL="0" indent="0">
@@ -2999,7 +2955,6 @@
               <a:rPr lang="en-US" altLang="en-US" sz="2400" b="1"/>
               <a:t>Finding HTML Elements by HTML Object Collections</a:t>
             </a:r>
-            <a:endParaRPr lang="en-US" altLang="en-US" sz="2400" b="1"/>
           </a:p>
           <a:p>
             <a:pPr marL="457200" lvl="1" indent="0">
@@ -3017,7 +2972,6 @@
               <a:rPr lang="en-US" altLang="en-US" sz="2400" b="1"/>
               <a:t>    document.anchors</a:t>
             </a:r>
-            <a:endParaRPr lang="en-US" altLang="en-US" sz="2400" b="1"/>
           </a:p>
           <a:p>
             <a:pPr lvl="1"/>
@@ -3025,7 +2979,6 @@
               <a:rPr lang="en-US" altLang="en-US" sz="2400" b="1"/>
               <a:t>    document.body</a:t>
             </a:r>
-            <a:endParaRPr lang="en-US" altLang="en-US" sz="2400" b="1"/>
           </a:p>
           <a:p>
             <a:pPr lvl="1"/>
@@ -3033,7 +2986,6 @@
               <a:rPr lang="en-US" altLang="en-US" sz="2400" b="1"/>
               <a:t>    document.documentElement</a:t>
             </a:r>
-            <a:endParaRPr lang="en-US" altLang="en-US" sz="2400" b="1"/>
           </a:p>
           <a:p>
             <a:pPr lvl="1"/>
@@ -3041,7 +2993,6 @@
               <a:rPr lang="en-US" altLang="en-US" sz="2400" b="1"/>
               <a:t>    document.embeds</a:t>
             </a:r>
-            <a:endParaRPr lang="en-US" altLang="en-US" sz="2400" b="1"/>
           </a:p>
           <a:p>
             <a:pPr lvl="1"/>
@@ -3049,7 +3000,6 @@
               <a:rPr lang="en-US" altLang="en-US" sz="2400" b="1"/>
               <a:t>    document.forms</a:t>
             </a:r>
-            <a:endParaRPr lang="en-US" altLang="en-US" sz="2400" b="1"/>
           </a:p>
           <a:p>
             <a:pPr lvl="1"/>
@@ -3057,7 +3007,6 @@
               <a:rPr lang="en-US" altLang="en-US" sz="2400" b="1"/>
               <a:t>    document.head</a:t>
             </a:r>
-            <a:endParaRPr lang="en-US" altLang="en-US" sz="2400" b="1"/>
           </a:p>
           <a:p>
             <a:pPr lvl="1"/>
@@ -3065,7 +3014,6 @@
               <a:rPr lang="en-US" altLang="en-US" sz="2400" b="1"/>
               <a:t>    document.images</a:t>
             </a:r>
-            <a:endParaRPr lang="en-US" altLang="en-US" sz="2400" b="1"/>
           </a:p>
           <a:p>
             <a:pPr lvl="1"/>
@@ -3073,7 +3021,6 @@
               <a:rPr lang="en-US" altLang="en-US" sz="2400" b="1"/>
               <a:t>    document.links</a:t>
             </a:r>
-            <a:endParaRPr lang="en-US" altLang="en-US" sz="2400" b="1"/>
           </a:p>
           <a:p>
             <a:pPr lvl="1"/>
@@ -3081,7 +3028,6 @@
               <a:rPr lang="en-US" altLang="en-US" sz="2400" b="1"/>
               <a:t>    document.scripts</a:t>
             </a:r>
-            <a:endParaRPr lang="en-US" altLang="en-US" sz="2400" b="1"/>
           </a:p>
           <a:p>
             <a:pPr lvl="1"/>
@@ -3089,7 +3035,6 @@
               <a:rPr lang="en-US" altLang="en-US" sz="2400" b="1"/>
               <a:t>    document.title</a:t>
             </a:r>
-            <a:endParaRPr lang="en-US" altLang="en-US" sz="2400" b="1"/>
           </a:p>
           <a:p>
             <a:pPr lvl="1"/>
@@ -3149,7 +3094,6 @@
               <a:rPr lang="en-US"/>
               <a:t>Changing HTML</a:t>
             </a:r>
-            <a:endParaRPr lang="en-US"/>
           </a:p>
         </p:txBody>
       </p:sp>
@@ -3193,7 +3137,6 @@
               <a:rPr lang="en-US" altLang="en-US"/>
               <a:t>//write directly to the HTML output stream</a:t>
             </a:r>
-            <a:endParaRPr lang="en-US" altLang="en-US"/>
           </a:p>
           <a:p>
             <a:pPr marL="0" indent="0">
@@ -3213,7 +3156,6 @@
               <a:rPr lang="en-US" altLang="en-US"/>
               <a:t>document.getElementById(id).innerHTML = new HTML</a:t>
             </a:r>
-            <a:endParaRPr lang="en-US" altLang="en-US"/>
           </a:p>
           <a:p>
             <a:pPr marL="0" indent="0">
@@ -3223,7 +3165,6 @@
               <a:rPr lang="en-US" altLang="en-US" b="1"/>
               <a:t>Changing the Value of an Attribute</a:t>
             </a:r>
-            <a:endParaRPr lang="en-US" altLang="en-US" b="1"/>
           </a:p>
           <a:p>
             <a:pPr marL="0" indent="0">
@@ -3233,7 +3174,6 @@
               <a:rPr lang="en-US" altLang="en-US"/>
               <a:t>syntax:</a:t>
             </a:r>
-            <a:endParaRPr lang="en-US" altLang="en-US"/>
           </a:p>
           <a:p>
             <a:pPr marL="0" lvl="1" indent="0">
@@ -3261,7 +3201,6 @@
               <a:rPr lang="en-US" altLang="en-US"/>
               <a:t>Example:</a:t>
             </a:r>
-            <a:endParaRPr lang="en-US" altLang="en-US"/>
           </a:p>
           <a:p>
             <a:pPr marL="457200" lvl="1" indent="0">
@@ -3271,7 +3210,6 @@
               <a:rPr lang="en-US" altLang="en-US"/>
               <a:t>document.getElementById("myImage").src = "landscape.jpg";</a:t>
             </a:r>
-            <a:endParaRPr lang="en-US" altLang="en-US"/>
           </a:p>
           <a:p>
             <a:pPr marL="457200" lvl="1" indent="0">
@@ -3281,14 +3219,12 @@
               <a:rPr lang="en-US" altLang="en-US"/>
               <a:t>&lt;img id="myImage" src="smiley.gif"&gt;</a:t>
             </a:r>
-            <a:endParaRPr lang="en-US" altLang="en-US"/>
           </a:p>
           <a:p>
             <a:r>
               <a:rPr lang="en-US" altLang="en-US"/>
               <a:t>We use the HTML DOM to get the element with id="myImage"</a:t>
             </a:r>
-            <a:endParaRPr lang="en-US" altLang="en-US"/>
           </a:p>
           <a:p>
             <a:endParaRPr lang="en-US" altLang="en-US"/>
@@ -3344,7 +3280,6 @@
               <a:rPr lang="en-US"/>
               <a:t>Changing CSS</a:t>
             </a:r>
-            <a:endParaRPr lang="en-US"/>
           </a:p>
         </p:txBody>
       </p:sp>
@@ -3384,7 +3319,6 @@
               <a:rPr lang="en-US" sz="2000"/>
               <a:t>To change the style of an HTML element, use this syntax:</a:t>
             </a:r>
-            <a:endParaRPr lang="en-US" sz="2000"/>
           </a:p>
           <a:p>
             <a:pPr marL="457200" lvl="1" indent="0">
@@ -3394,7 +3328,6 @@
               <a:rPr lang="en-US" sz="2000"/>
               <a:t>document.getElementById(id).style.property = new style </a:t>
             </a:r>
-            <a:endParaRPr lang="en-US" sz="2000"/>
           </a:p>
           <a:p>
             <a:pPr marL="0" indent="0">
@@ -3404,7 +3337,6 @@
               <a:rPr lang="en-US" altLang="en-US" sz="2000"/>
               <a:t>Example:</a:t>
             </a:r>
-            <a:endParaRPr lang="en-US" altLang="en-US" sz="2000"/>
           </a:p>
           <a:p>
             <a:pPr marL="457200" lvl="1" indent="0">
@@ -3414,7 +3346,6 @@
               <a:rPr lang="en-US" altLang="en-US" sz="2000"/>
               <a:t>document.getElementById("p2").style.color = "blue";</a:t>
             </a:r>
-            <a:endParaRPr lang="en-US" altLang="en-US" sz="2000"/>
           </a:p>
           <a:p>
             <a:pPr marL="457200" lvl="1" indent="0">
@@ -3424,7 +3355,6 @@
               <a:rPr lang="en-US" altLang="en-US" sz="2000"/>
               <a:t>&lt;p id="p2"&gt;Hello World!&lt;/p&gt;</a:t>
             </a:r>
-            <a:endParaRPr lang="en-US" altLang="en-US" sz="2000"/>
           </a:p>
           <a:p>
             <a:pPr marL="0" indent="0">
@@ -3441,14 +3371,12 @@
               <a:rPr lang="en-US" altLang="en-US" sz="2000"/>
               <a:t>The HTML DOM allows you to execute code when an event occurs.</a:t>
             </a:r>
-            <a:endParaRPr lang="en-US" altLang="en-US" sz="2000"/>
           </a:p>
           <a:p>
             <a:r>
               <a:rPr lang="en-US" altLang="en-US" sz="2000"/>
               <a:t>Events are generated by the browser when "things happen" to HTML elements:</a:t>
             </a:r>
-            <a:endParaRPr lang="en-US" altLang="en-US" sz="2000"/>
           </a:p>
           <a:p>
             <a:pPr lvl="1"/>
@@ -3456,7 +3384,6 @@
               <a:rPr lang="en-US" altLang="en-US" sz="2000"/>
               <a:t>    An element is clicked on</a:t>
             </a:r>
-            <a:endParaRPr lang="en-US" altLang="en-US" sz="2000"/>
           </a:p>
           <a:p>
             <a:pPr lvl="1"/>
@@ -3464,7 +3391,6 @@
               <a:rPr lang="en-US" altLang="en-US" sz="2000"/>
               <a:t>    The page has loaded</a:t>
             </a:r>
-            <a:endParaRPr lang="en-US" altLang="en-US" sz="2000"/>
           </a:p>
           <a:p>
             <a:pPr lvl="1"/>
@@ -3472,7 +3398,6 @@
               <a:rPr lang="en-US" altLang="en-US" sz="2000"/>
               <a:t>    Input fields are changed</a:t>
             </a:r>
-            <a:endParaRPr lang="en-US" altLang="en-US" sz="2000"/>
           </a:p>
           <a:p>
             <a:pPr lvl="1"/>
@@ -3486,7 +3411,6 @@
               <a:rPr lang="en-US" altLang="en-US" sz="2000"/>
               <a:t>&lt;h1 id="id1"&gt;My Heading 1&lt;/h1&gt;</a:t>
             </a:r>
-            <a:endParaRPr lang="en-US" altLang="en-US" sz="2000"/>
           </a:p>
           <a:p>
             <a:pPr marL="457200" lvl="1" indent="0">
@@ -3496,7 +3420,6 @@
               <a:rPr lang="en-US" altLang="en-US" sz="2000"/>
               <a:t>&lt;button type="button"  onclick="document.getElementById('id1').style.color = 'red'"&gt; Click Me!&lt;/button&gt;</a:t>
             </a:r>
-            <a:endParaRPr lang="en-US" altLang="en-US" sz="2000"/>
           </a:p>
         </p:txBody>
       </p:sp>
@@ -3549,7 +3472,6 @@
               <a:rPr lang="en-US"/>
               <a:t>DOM Animation</a:t>
             </a:r>
-            <a:endParaRPr lang="en-US"/>
           </a:p>
         </p:txBody>
       </p:sp>
@@ -3582,14 +3504,12 @@
               <a:rPr lang="en-US" b="1"/>
               <a:t>Create an Animation Container</a:t>
             </a:r>
-            <a:endParaRPr lang="en-US" b="1"/>
           </a:p>
           <a:p>
             <a:r>
               <a:rPr lang="en-US"/>
               <a:t>All animations should be relative to a container element.</a:t>
             </a:r>
-            <a:endParaRPr lang="en-US"/>
           </a:p>
           <a:p>
             <a:pPr marL="457200" lvl="1" indent="0">
@@ -3599,7 +3519,6 @@
               <a:rPr lang="en-US"/>
               <a:t> &lt;div id ="container"&gt;</a:t>
             </a:r>
-            <a:endParaRPr lang="en-US"/>
           </a:p>
           <a:p>
             <a:pPr marL="457200" lvl="1" indent="0">
@@ -3609,7 +3528,6 @@
               <a:rPr lang="en-US"/>
               <a:t>  &lt;div id ="animate"&gt;My animation will go here&lt;/div&gt;</a:t>
             </a:r>
-            <a:endParaRPr lang="en-US"/>
           </a:p>
           <a:p>
             <a:pPr marL="457200" lvl="1" indent="0">
@@ -3619,7 +3537,6 @@
               <a:rPr lang="en-US"/>
               <a:t>&lt;/div&gt; </a:t>
             </a:r>
-            <a:endParaRPr lang="en-US"/>
           </a:p>
           <a:p>
             <a:pPr marL="0" indent="0">
@@ -3629,21 +3546,18 @@
               <a:rPr lang="en-US" b="1"/>
               <a:t>Style the Elements</a:t>
             </a:r>
-            <a:endParaRPr lang="en-US" b="1"/>
           </a:p>
           <a:p>
             <a:r>
               <a:rPr lang="en-US"/>
               <a:t>The container element should be created with style = "position: relative".</a:t>
             </a:r>
-            <a:endParaRPr lang="en-US"/>
           </a:p>
           <a:p>
             <a:r>
               <a:rPr lang="en-US"/>
               <a:t>The animation element should be created with style = "position: absolute".</a:t>
             </a:r>
-            <a:endParaRPr lang="en-US"/>
           </a:p>
           <a:p>
             <a:pPr marL="457200" lvl="1" indent="0">
@@ -3653,7 +3567,6 @@
               <a:rPr lang="en-US"/>
               <a:t>#container {</a:t>
             </a:r>
-            <a:endParaRPr lang="en-US"/>
           </a:p>
           <a:p>
             <a:pPr marL="457200" lvl="1" indent="0">
@@ -3663,7 +3576,6 @@
               <a:rPr lang="en-US"/>
               <a:t>  width: 400px;</a:t>
             </a:r>
-            <a:endParaRPr lang="en-US"/>
           </a:p>
           <a:p>
             <a:pPr marL="457200" lvl="1" indent="0">
@@ -3673,7 +3585,6 @@
               <a:rPr lang="en-US"/>
               <a:t>  height: 400px;</a:t>
             </a:r>
-            <a:endParaRPr lang="en-US"/>
           </a:p>
           <a:p>
             <a:pPr marL="457200" lvl="1" indent="0">
@@ -3683,7 +3594,6 @@
               <a:rPr lang="en-US"/>
               <a:t>  position: relative;</a:t>
             </a:r>
-            <a:endParaRPr lang="en-US"/>
           </a:p>
           <a:p>
             <a:pPr marL="457200" lvl="1" indent="0">
@@ -3693,7 +3603,6 @@
               <a:rPr lang="en-US"/>
               <a:t>  background: yellow;</a:t>
             </a:r>
-            <a:endParaRPr lang="en-US"/>
           </a:p>
           <a:p>
             <a:pPr marL="457200" lvl="1" indent="0">
@@ -3703,7 +3612,6 @@
               <a:rPr lang="en-US"/>
               <a:t>}</a:t>
             </a:r>
-            <a:endParaRPr lang="en-US"/>
           </a:p>
           <a:p>
             <a:pPr marL="457200" lvl="1" indent="0">
@@ -3713,7 +3621,6 @@
               <a:rPr lang="en-US"/>
               <a:t>#animate {</a:t>
             </a:r>
-            <a:endParaRPr lang="en-US"/>
           </a:p>
           <a:p>
             <a:pPr marL="457200" lvl="1" indent="0">
@@ -3723,7 +3630,6 @@
               <a:rPr lang="en-US"/>
               <a:t>  width: 50px;</a:t>
             </a:r>
-            <a:endParaRPr lang="en-US"/>
           </a:p>
           <a:p>
             <a:pPr marL="457200" lvl="1" indent="0">
@@ -3733,7 +3639,6 @@
               <a:rPr lang="en-US"/>
               <a:t>  height: 50px;</a:t>
             </a:r>
-            <a:endParaRPr lang="en-US"/>
           </a:p>
           <a:p>
             <a:pPr marL="457200" lvl="1" indent="0">
@@ -3743,7 +3648,6 @@
               <a:rPr lang="en-US"/>
               <a:t>  position: absolute;</a:t>
             </a:r>
-            <a:endParaRPr lang="en-US"/>
           </a:p>
           <a:p>
             <a:pPr marL="457200" lvl="1" indent="0">
@@ -3753,7 +3657,6 @@
               <a:rPr lang="en-US"/>
               <a:t>  background: red;</a:t>
             </a:r>
-            <a:endParaRPr lang="en-US"/>
           </a:p>
           <a:p>
             <a:pPr marL="457200" lvl="1" indent="0">
@@ -3763,7 +3666,6 @@
               <a:rPr lang="en-US"/>
               <a:t>}</a:t>
             </a:r>
-            <a:endParaRPr lang="en-US"/>
           </a:p>
           <a:p>
             <a:pPr marL="0" indent="0">
@@ -3825,21 +3727,18 @@
               <a:rPr lang="en-US" b="1"/>
               <a:t>Animation Code</a:t>
             </a:r>
-            <a:endParaRPr lang="en-US" b="1"/>
           </a:p>
           <a:p>
             <a:r>
               <a:rPr lang="en-US"/>
               <a:t>JavaScript animations are done by programming gradual changes in an element's style.</a:t>
             </a:r>
-            <a:endParaRPr lang="en-US"/>
           </a:p>
           <a:p>
             <a:r>
               <a:rPr lang="en-US"/>
               <a:t>The changes are called by a timer. When the timer interval is small, the animation looks continuous.</a:t>
             </a:r>
-            <a:endParaRPr lang="en-US"/>
           </a:p>
           <a:p>
             <a:pPr marL="457200" lvl="1" indent="0">
@@ -3849,7 +3748,6 @@
               <a:rPr lang="en-US"/>
               <a:t>var id = setInterval(frame, 5);</a:t>
             </a:r>
-            <a:endParaRPr lang="en-US"/>
           </a:p>
           <a:p>
             <a:pPr marL="457200" lvl="1" indent="0">
@@ -3859,7 +3757,6 @@
               <a:rPr lang="en-US"/>
               <a:t>function frame() {</a:t>
             </a:r>
-            <a:endParaRPr lang="en-US"/>
           </a:p>
           <a:p>
             <a:pPr marL="457200" lvl="1" indent="0">
@@ -3869,7 +3766,6 @@
               <a:rPr lang="en-US"/>
               <a:t>  if (/* test for finished */) {</a:t>
             </a:r>
-            <a:endParaRPr lang="en-US"/>
           </a:p>
           <a:p>
             <a:pPr marL="457200" lvl="1" indent="0">
@@ -3879,7 +3775,6 @@
               <a:rPr lang="en-US"/>
               <a:t>    clearInterval(id);</a:t>
             </a:r>
-            <a:endParaRPr lang="en-US"/>
           </a:p>
           <a:p>
             <a:pPr marL="457200" lvl="1" indent="0">
@@ -3889,7 +3784,6 @@
               <a:rPr lang="en-US"/>
               <a:t>  } else {</a:t>
             </a:r>
-            <a:endParaRPr lang="en-US"/>
           </a:p>
           <a:p>
             <a:pPr marL="457200" lvl="1" indent="0">
@@ -3899,7 +3793,6 @@
               <a:rPr lang="en-US"/>
               <a:t>    /* code to change the element style */ </a:t>
             </a:r>
-            <a:endParaRPr lang="en-US"/>
           </a:p>
           <a:p>
             <a:pPr marL="457200" lvl="1" indent="0">
@@ -3909,7 +3802,6 @@
               <a:rPr lang="en-US"/>
               <a:t>  }</a:t>
             </a:r>
-            <a:endParaRPr lang="en-US"/>
           </a:p>
           <a:p>
             <a:pPr marL="457200" lvl="1" indent="0">
@@ -3919,7 +3811,6 @@
               <a:rPr lang="en-US"/>
               <a:t>}</a:t>
             </a:r>
-            <a:endParaRPr lang="en-US"/>
           </a:p>
         </p:txBody>
       </p:sp>
@@ -4004,9 +3895,6 @@
               </a:rPr>
               <a:t>HTML DOM, you can navigate the node tree using node relationships.</a:t>
             </a:r>
-            <a:endParaRPr lang="en-US">
-              <a:sym typeface="+mn-ea"/>
-            </a:endParaRPr>
           </a:p>
           <a:p>
             <a:pPr marL="0" indent="0">
@@ -4016,14 +3904,12 @@
               <a:rPr lang="en-US" b="1"/>
               <a:t>DOM Nodes</a:t>
             </a:r>
-            <a:endParaRPr lang="en-US" b="1"/>
           </a:p>
           <a:p>
             <a:r>
               <a:rPr lang="en-US"/>
               <a:t>According to the W3C HTML DOM standard, everything in an HTML document is a node:</a:t>
             </a:r>
-            <a:endParaRPr lang="en-US"/>
           </a:p>
           <a:p>
             <a:pPr lvl="1"/>
@@ -4031,7 +3917,6 @@
               <a:rPr lang="en-US"/>
               <a:t>The entire document is a document node</a:t>
             </a:r>
-            <a:endParaRPr lang="en-US"/>
           </a:p>
           <a:p>
             <a:pPr lvl="1"/>
@@ -4039,7 +3924,6 @@
               <a:rPr lang="en-US"/>
               <a:t>Every HTML element is an element node</a:t>
             </a:r>
-            <a:endParaRPr lang="en-US"/>
           </a:p>
           <a:p>
             <a:pPr lvl="1"/>
@@ -4047,7 +3931,6 @@
               <a:rPr lang="en-US"/>
               <a:t>The text inside HTML elements are text nodes</a:t>
             </a:r>
-            <a:endParaRPr lang="en-US"/>
           </a:p>
           <a:p>
             <a:pPr lvl="1"/>
@@ -4055,7 +3938,6 @@
               <a:rPr lang="en-US"/>
               <a:t>Every HTML attribute is an attribute node (deprecated)</a:t>
             </a:r>
-            <a:endParaRPr lang="en-US"/>
           </a:p>
           <a:p>
             <a:pPr lvl="1"/>
@@ -4063,7 +3945,6 @@
               <a:rPr lang="en-US"/>
               <a:t>All comments are comment nodes</a:t>
             </a:r>
-            <a:endParaRPr lang="en-US"/>
           </a:p>
           <a:p>
             <a:pPr lvl="1"/>
@@ -4122,7 +4003,6 @@
               <a:rPr lang="en-US"/>
               <a:t>DOM Navigation</a:t>
             </a:r>
-            <a:endParaRPr lang="en-US"/>
           </a:p>
         </p:txBody>
       </p:sp>
@@ -4155,21 +4035,18 @@
               <a:rPr lang="en-US" b="1"/>
               <a:t>Node Relationships</a:t>
             </a:r>
-            <a:endParaRPr lang="en-US" b="1"/>
           </a:p>
           <a:p>
             <a:r>
               <a:rPr lang="en-US"/>
               <a:t>The nodes in the node tree have a hierarchical relationship to each other.</a:t>
             </a:r>
-            <a:endParaRPr lang="en-US"/>
           </a:p>
           <a:p>
             <a:r>
               <a:rPr lang="en-US"/>
               <a:t>The terms parent, child, and sibling are used to describe the relationships.</a:t>
             </a:r>
-            <a:endParaRPr lang="en-US"/>
           </a:p>
           <a:p>
             <a:pPr lvl="1"/>
@@ -4177,7 +4054,6 @@
               <a:rPr lang="en-US"/>
               <a:t>In a node tree, the top node is called the root (or root node)</a:t>
             </a:r>
-            <a:endParaRPr lang="en-US"/>
           </a:p>
           <a:p>
             <a:pPr lvl="1"/>
@@ -4185,7 +4061,6 @@
               <a:rPr lang="en-US"/>
               <a:t>Every node has exactly one parent, except the root (which has no parent)</a:t>
             </a:r>
-            <a:endParaRPr lang="en-US"/>
           </a:p>
           <a:p>
             <a:pPr lvl="1"/>
@@ -4193,7 +4068,6 @@
               <a:rPr lang="en-US"/>
               <a:t>A node can have a number of children</a:t>
             </a:r>
-            <a:endParaRPr lang="en-US"/>
           </a:p>
           <a:p>
             <a:pPr lvl="1"/>
@@ -4201,7 +4075,6 @@
               <a:rPr lang="en-US"/>
               <a:t>Siblings (brothers or sisters) are nodes with the same parent</a:t>
             </a:r>
-            <a:endParaRPr lang="en-US"/>
           </a:p>
         </p:txBody>
       </p:sp>
@@ -4214,7 +4087,7 @@
           <p:nvPr/>
         </p:nvPicPr>
         <p:blipFill>
-          <a:blip r:embed="rId1"/>
+          <a:blip r:embed="rId2"/>
           <a:stretch>
             <a:fillRect/>
           </a:stretch>
@@ -4280,7 +4153,6 @@
               <a:rPr lang="en-US"/>
               <a:t>From the HTML </a:t>
             </a:r>
-            <a:endParaRPr lang="en-US"/>
           </a:p>
           <a:p>
             <a:pPr lvl="1"/>
@@ -4288,7 +4160,6 @@
               <a:rPr lang="en-US"/>
               <a:t>&lt;html&gt; is the root node</a:t>
             </a:r>
-            <a:endParaRPr lang="en-US"/>
           </a:p>
           <a:p>
             <a:pPr lvl="1"/>
@@ -4300,7 +4171,6 @@
               <a:rPr lang="en-US"/>
               <a:t>html&gt; has no parents</a:t>
             </a:r>
-            <a:endParaRPr lang="en-US"/>
           </a:p>
           <a:p>
             <a:pPr lvl="1"/>
@@ -4308,7 +4178,6 @@
               <a:rPr lang="en-US"/>
               <a:t>&lt;html&gt; is the parent of &lt;head&gt; and &lt;body&gt;</a:t>
             </a:r>
-            <a:endParaRPr lang="en-US"/>
           </a:p>
           <a:p>
             <a:pPr lvl="1"/>
@@ -4320,7 +4189,6 @@
               <a:rPr lang="en-US"/>
               <a:t>head&gt; is the first child of &lt;html&gt;</a:t>
             </a:r>
-            <a:endParaRPr lang="en-US"/>
           </a:p>
           <a:p>
             <a:pPr lvl="1"/>
@@ -4328,7 +4196,6 @@
               <a:rPr lang="en-US"/>
               <a:t>&lt;body&gt; is the last child of &lt;html&gt;</a:t>
             </a:r>
-            <a:endParaRPr lang="en-US"/>
           </a:p>
           <a:p>
             <a:r>
@@ -4347,7 +4214,6 @@
               <a:rPr lang="en-US"/>
               <a:t>head&gt; has one child: &lt;title&gt;</a:t>
             </a:r>
-            <a:endParaRPr lang="en-US"/>
           </a:p>
           <a:p>
             <a:pPr lvl="1"/>
@@ -4355,7 +4221,6 @@
               <a:rPr lang="en-US"/>
               <a:t>&lt;title&gt; has one child (a text node): "DOM Tutorial"</a:t>
             </a:r>
-            <a:endParaRPr lang="en-US"/>
           </a:p>
           <a:p>
             <a:pPr lvl="1"/>
@@ -4363,7 +4228,6 @@
               <a:rPr lang="en-US"/>
               <a:t>&lt;body&gt; has two children: &lt;h1&gt; and &lt;p&gt;</a:t>
             </a:r>
-            <a:endParaRPr lang="en-US"/>
           </a:p>
           <a:p>
             <a:pPr lvl="1"/>
@@ -4371,7 +4235,6 @@
               <a:rPr lang="en-US"/>
               <a:t>&lt;h1&gt; has one child: "DOM Lesson one"</a:t>
             </a:r>
-            <a:endParaRPr lang="en-US"/>
           </a:p>
           <a:p>
             <a:pPr lvl="1"/>
@@ -4379,7 +4242,6 @@
               <a:rPr lang="en-US"/>
               <a:t>&lt;p&gt; has one child: "Hello world!"</a:t>
             </a:r>
-            <a:endParaRPr lang="en-US"/>
           </a:p>
           <a:p>
             <a:pPr lvl="1"/>
@@ -4387,7 +4249,6 @@
               <a:rPr lang="en-US"/>
               <a:t> &lt;h1&gt; and &lt;p&gt; are siblings</a:t>
             </a:r>
-            <a:endParaRPr lang="en-US"/>
           </a:p>
         </p:txBody>
       </p:sp>
@@ -4608,7 +4469,6 @@
               <a:rPr lang="en-US" sz="1800" b="1"/>
               <a:t>Navigating Between Nodes</a:t>
             </a:r>
-            <a:endParaRPr lang="en-US" sz="1800" b="1"/>
           </a:p>
           <a:p>
             <a:r>
@@ -4627,6 +4487,15 @@
               <a:rPr lang="en-US" sz="1800"/>
               <a:t>to navigate between nodes with JavaScript:</a:t>
             </a:r>
+          </a:p>
+          <a:p>
+            <a:pPr lvl="1"/>
+            <a:r>
+              <a:rPr lang="en-US" sz="1800">
+                <a:sym typeface="+mn-ea"/>
+              </a:rPr>
+              <a:t>parentNode</a:t>
+            </a:r>
             <a:endParaRPr lang="en-US" sz="1800"/>
           </a:p>
           <a:p>
@@ -4635,7 +4504,7 @@
               <a:rPr lang="en-US" sz="1800">
                 <a:sym typeface="+mn-ea"/>
               </a:rPr>
-              <a:t>parentNode</a:t>
+              <a:t>childNodes[nodenumber]</a:t>
             </a:r>
             <a:endParaRPr lang="en-US" sz="1800"/>
           </a:p>
@@ -4645,7 +4514,7 @@
               <a:rPr lang="en-US" sz="1800">
                 <a:sym typeface="+mn-ea"/>
               </a:rPr>
-              <a:t>childNodes[nodenumber]</a:t>
+              <a:t>firstChild</a:t>
             </a:r>
             <a:endParaRPr lang="en-US" sz="1800"/>
           </a:p>
@@ -4655,7 +4524,7 @@
               <a:rPr lang="en-US" sz="1800">
                 <a:sym typeface="+mn-ea"/>
               </a:rPr>
-              <a:t>firstChild</a:t>
+              <a:t>lastChild</a:t>
             </a:r>
             <a:endParaRPr lang="en-US" sz="1800"/>
           </a:p>
@@ -4665,7 +4534,7 @@
               <a:rPr lang="en-US" sz="1800">
                 <a:sym typeface="+mn-ea"/>
               </a:rPr>
-              <a:t>lastChild</a:t>
+              <a:t>nextSibling</a:t>
             </a:r>
             <a:endParaRPr lang="en-US" sz="1800"/>
           </a:p>
@@ -4675,21 +4544,11 @@
               <a:rPr lang="en-US" sz="1800">
                 <a:sym typeface="+mn-ea"/>
               </a:rPr>
-              <a:t>nextSibling</a:t>
+              <a:t>previousSibling</a:t>
             </a:r>
             <a:endParaRPr lang="en-US" sz="1800"/>
           </a:p>
           <a:p>
-            <a:pPr lvl="1"/>
-            <a:r>
-              <a:rPr lang="en-US" sz="1800">
-                <a:sym typeface="+mn-ea"/>
-              </a:rPr>
-              <a:t>previousSibling</a:t>
-            </a:r>
-            <a:endParaRPr lang="en-US" sz="1800"/>
-          </a:p>
-          <a:p>
             <a:pPr marL="0" lvl="1" indent="0">
               <a:buNone/>
             </a:pPr>
@@ -4699,9 +4558,6 @@
               </a:rPr>
               <a:t>Child Nodes and Node Values</a:t>
             </a:r>
-            <a:endParaRPr lang="en-US" sz="1800" b="1">
-              <a:sym typeface="+mn-ea"/>
-            </a:endParaRPr>
           </a:p>
           <a:p>
             <a:pPr marL="0" lvl="1"/>
@@ -4717,9 +4573,6 @@
               </a:rPr>
               <a:t>A common error in DOM processing is to expect an element node to contain text.</a:t>
             </a:r>
-            <a:endParaRPr lang="en-US" altLang="en-US" sz="1800">
-              <a:sym typeface="+mn-ea"/>
-            </a:endParaRPr>
           </a:p>
           <a:p>
             <a:pPr marL="457200" lvl="2" indent="0">
@@ -4731,9 +4584,6 @@
               </a:rPr>
               <a:t> &lt;title id="demo"&gt;DOM Tutorial&lt;/title&gt;</a:t>
             </a:r>
-            <a:endParaRPr lang="en-US" altLang="en-US" sz="1800">
-              <a:sym typeface="+mn-ea"/>
-            </a:endParaRPr>
           </a:p>
           <a:p>
             <a:pPr marL="0" lvl="1"/>
@@ -4743,9 +4593,6 @@
               </a:rPr>
               <a:t>The element node &lt;title&gt; (in the example above) does not contain text.</a:t>
             </a:r>
-            <a:endParaRPr lang="en-US" altLang="en-US" sz="1800">
-              <a:sym typeface="+mn-ea"/>
-            </a:endParaRPr>
           </a:p>
           <a:p>
             <a:pPr marL="0" lvl="1"/>
@@ -4755,9 +4602,6 @@
               </a:rPr>
               <a:t>It contains a text node with the value "DOM Tutorial".</a:t>
             </a:r>
-            <a:endParaRPr lang="en-US" altLang="en-US" sz="1800">
-              <a:sym typeface="+mn-ea"/>
-            </a:endParaRPr>
           </a:p>
           <a:p>
             <a:pPr marL="0" lvl="1"/>
@@ -4767,9 +4611,6 @@
               </a:rPr>
               <a:t>The value of the text node can be accessed by the node's innerHTML property:</a:t>
             </a:r>
-            <a:endParaRPr lang="en-US" altLang="en-US" sz="1800">
-              <a:sym typeface="+mn-ea"/>
-            </a:endParaRPr>
           </a:p>
           <a:p>
             <a:pPr marL="457200" lvl="2" indent="0">
@@ -4781,9 +4622,6 @@
               </a:rPr>
               <a:t>var myTitle = document.getElementById("demo").innerHTML;</a:t>
             </a:r>
-            <a:endParaRPr lang="en-US" altLang="en-US" sz="1800">
-              <a:sym typeface="+mn-ea"/>
-            </a:endParaRPr>
           </a:p>
           <a:p>
             <a:pPr marL="285750" lvl="1" indent="-285750"/>
@@ -4793,9 +4631,6 @@
               </a:rPr>
               <a:t>Accessing the innerHTML property is the same as accessing the nodeValue of the first child:</a:t>
             </a:r>
-            <a:endParaRPr lang="en-US" altLang="en-US" sz="1800">
-              <a:sym typeface="+mn-ea"/>
-            </a:endParaRPr>
           </a:p>
           <a:p>
             <a:pPr marL="457200" lvl="2" indent="0">
@@ -4807,9 +4642,6 @@
               </a:rPr>
               <a:t>var myTitle = document.getElementById("demo").firstChild.nodeValue;</a:t>
             </a:r>
-            <a:endParaRPr lang="en-US" altLang="en-US" sz="1800">
-              <a:sym typeface="+mn-ea"/>
-            </a:endParaRPr>
           </a:p>
           <a:p>
             <a:pPr marL="285750" lvl="1" indent="-285750"/>
@@ -4819,9 +4651,6 @@
               </a:rPr>
               <a:t>Accessing the first child can also be done like this:</a:t>
             </a:r>
-            <a:endParaRPr lang="en-US" altLang="en-US" sz="1800">
-              <a:sym typeface="+mn-ea"/>
-            </a:endParaRPr>
           </a:p>
           <a:p>
             <a:pPr marL="457200" lvl="2" indent="0">
@@ -4833,9 +4662,6 @@
               </a:rPr>
               <a:t>var myTitle = document.getElementById("demo").childNodes[0].nodeValue;</a:t>
             </a:r>
-            <a:endParaRPr lang="en-US" altLang="en-US" sz="1800">
-              <a:sym typeface="+mn-ea"/>
-            </a:endParaRPr>
           </a:p>
           <a:p>
             <a:pPr marL="0" lvl="1" indent="0">
@@ -4917,7 +4743,6 @@
               <a:rPr lang="en-US" altLang="en-US"/>
               <a:t>DOM Introduction</a:t>
             </a:r>
-            <a:endParaRPr lang="en-US" altLang="en-US"/>
           </a:p>
         </p:txBody>
       </p:sp>
@@ -4947,21 +4772,18 @@
               <a:rPr lang="en-US" sz="2400"/>
               <a:t>When a web page is loaded, the browser creates a Document Object Model of the page.</a:t>
             </a:r>
-            <a:endParaRPr lang="en-US" sz="2400"/>
           </a:p>
           <a:p>
             <a:r>
               <a:rPr lang="en-US" sz="2400"/>
               <a:t>The HTML DOM model is constructed as a tree of Objects:</a:t>
             </a:r>
-            <a:endParaRPr lang="en-US" sz="2400"/>
           </a:p>
           <a:p>
             <a:r>
               <a:rPr lang="en-US" sz="2400"/>
               <a:t>The W3C Document Object Model (DOM) is a platform and language-neutral interface that allows programs and scripts to dynamically access and update the content, structure, and style of a document."</a:t>
             </a:r>
-            <a:endParaRPr lang="en-US" sz="2400"/>
           </a:p>
           <a:p>
             <a:endParaRPr lang="en-US" sz="2400"/>
@@ -4982,7 +4804,7 @@
           </p:nvPr>
         </p:nvPicPr>
         <p:blipFill>
-          <a:blip r:embed="rId1"/>
+          <a:blip r:embed="rId2"/>
           <a:stretch>
             <a:fillRect/>
           </a:stretch>
@@ -5084,6 +4906,17 @@
               <a:rPr lang="en-US" sz="2000"/>
               <a:t>Example</a:t>
             </a:r>
+          </a:p>
+          <a:p>
+            <a:pPr marL="457200" lvl="1" indent="0">
+              <a:buNone/>
+            </a:pPr>
+            <a:r>
+              <a:rPr lang="en-US" sz="2000">
+                <a:sym typeface="+mn-ea"/>
+              </a:rPr>
+              <a:t>&lt;h1 id="id01"&gt;My First Page&lt;/h1&gt;</a:t>
+            </a:r>
             <a:endParaRPr lang="en-US" sz="2000"/>
           </a:p>
           <a:p>
@@ -5094,7 +4927,7 @@
               <a:rPr lang="en-US" sz="2000">
                 <a:sym typeface="+mn-ea"/>
               </a:rPr>
-              <a:t>&lt;h1 id="id01"&gt;My First Page&lt;/h1&gt;</a:t>
+              <a:t>&lt;p id="id02"&gt;&lt;/p&gt;</a:t>
             </a:r>
             <a:endParaRPr lang="en-US" sz="2000"/>
           </a:p>
@@ -5106,7 +4939,7 @@
               <a:rPr lang="en-US" sz="2000">
                 <a:sym typeface="+mn-ea"/>
               </a:rPr>
-              <a:t>&lt;p id="id02"&gt;&lt;/p&gt;</a:t>
+              <a:t>&lt;script&gt;</a:t>
             </a:r>
             <a:endParaRPr lang="en-US" sz="2000"/>
           </a:p>
@@ -5118,7 +4951,7 @@
               <a:rPr lang="en-US" sz="2000">
                 <a:sym typeface="+mn-ea"/>
               </a:rPr>
-              <a:t>&lt;script&gt;</a:t>
+              <a:t>document.getElementById("id02").innerHTML = document.getElementById("id01").innerHTML;</a:t>
             </a:r>
             <a:endParaRPr lang="en-US" sz="2000"/>
           </a:p>
@@ -5130,37 +4963,47 @@
               <a:rPr lang="en-US" sz="2000">
                 <a:sym typeface="+mn-ea"/>
               </a:rPr>
-              <a:t>document.getElementById("id02").innerHTML = document.getElementById("id01").innerHTML;</a:t>
+              <a:t>&lt;/script&gt;</a:t>
             </a:r>
             <a:endParaRPr lang="en-US" sz="2000"/>
           </a:p>
           <a:p>
-            <a:pPr marL="457200" lvl="1" indent="0">
+            <a:pPr marL="0" indent="0">
+              <a:buNone/>
+            </a:pPr>
+            <a:r>
+              <a:rPr lang="en-US" altLang="en-US" sz="2000">
+                <a:sym typeface="+mn-ea"/>
+              </a:rPr>
+              <a:t>also written as</a:t>
+            </a:r>
+          </a:p>
+          <a:p>
+            <a:pPr marL="457200" lvl="2" indent="0">
               <a:buNone/>
             </a:pPr>
             <a:r>
               <a:rPr lang="en-US" sz="2000">
                 <a:sym typeface="+mn-ea"/>
               </a:rPr>
-              <a:t>&lt;/script&gt;</a:t>
-            </a:r>
-            <a:endParaRPr lang="en-US" sz="2000"/>
-          </a:p>
-          <a:p>
-            <a:pPr marL="0" indent="0">
-              <a:buNone/>
-            </a:pPr>
-            <a:r>
-              <a:rPr lang="en-US" altLang="en-US" sz="2000">
-                <a:sym typeface="+mn-ea"/>
-              </a:rPr>
-              <a:t>also written as</a:t>
+              <a:t>document.getElementById("id02").innerHTML = document.getElementById("id01").firstChild.nodeValue;</a:t>
             </a:r>
             <a:endParaRPr lang="en-US" altLang="en-US" sz="2000">
               <a:sym typeface="+mn-ea"/>
             </a:endParaRPr>
           </a:p>
           <a:p>
+            <a:pPr marL="0" indent="0">
+              <a:buNone/>
+            </a:pPr>
+            <a:r>
+              <a:rPr lang="en-US" altLang="en-US" sz="2000">
+                <a:sym typeface="+mn-ea"/>
+              </a:rPr>
+              <a:t>also written as</a:t>
+            </a:r>
+          </a:p>
+          <a:p>
             <a:pPr marL="457200" lvl="2" indent="0">
               <a:buNone/>
             </a:pPr>
@@ -5168,7 +5011,7 @@
               <a:rPr lang="en-US" sz="2000">
                 <a:sym typeface="+mn-ea"/>
               </a:rPr>
-              <a:t>document.getElementById("id02").innerHTML = document.getElementById("id01").firstChild.nodeValue;</a:t>
+              <a:t>document.getElementById("id02").innerHTML = document.getElementById("id01").childNodes[0].nodeValue;</a:t>
             </a:r>
             <a:endParaRPr lang="en-US" altLang="en-US" sz="2000">
               <a:sym typeface="+mn-ea"/>
@@ -5179,42 +5022,11 @@
               <a:buNone/>
             </a:pPr>
             <a:r>
-              <a:rPr lang="en-US" altLang="en-US" sz="2000">
-                <a:sym typeface="+mn-ea"/>
-              </a:rPr>
-              <a:t>also written as</a:t>
-            </a:r>
-            <a:endParaRPr lang="en-US" altLang="en-US" sz="2000">
-              <a:sym typeface="+mn-ea"/>
-            </a:endParaRPr>
-          </a:p>
-          <a:p>
-            <a:pPr marL="457200" lvl="2" indent="0">
-              <a:buNone/>
-            </a:pPr>
-            <a:r>
-              <a:rPr lang="en-US" sz="2000">
-                <a:sym typeface="+mn-ea"/>
-              </a:rPr>
-              <a:t>document.getElementById("id02").innerHTML = document.getElementById("id01").childNodes[0].nodeValue;</a:t>
-            </a:r>
-            <a:endParaRPr lang="en-US" altLang="en-US" sz="2000">
-              <a:sym typeface="+mn-ea"/>
-            </a:endParaRPr>
-          </a:p>
-          <a:p>
-            <a:pPr marL="0" indent="0">
-              <a:buNone/>
-            </a:pPr>
-            <a:r>
               <a:rPr lang="en-US" sz="2000" b="1">
                 <a:sym typeface="+mn-ea"/>
               </a:rPr>
               <a:t>DOM Root Nodes</a:t>
             </a:r>
-            <a:endParaRPr lang="en-US" sz="2000" b="1">
-              <a:sym typeface="+mn-ea"/>
-            </a:endParaRPr>
           </a:p>
           <a:p>
             <a:r>
@@ -5233,7 +5045,6 @@
               <a:rPr lang="en-US" sz="2000"/>
               <a:t>document.body - The body of the document</a:t>
             </a:r>
-            <a:endParaRPr lang="en-US" sz="2000"/>
           </a:p>
           <a:p>
             <a:pPr lvl="1"/>
@@ -5241,7 +5052,6 @@
               <a:rPr lang="en-US" sz="2000"/>
               <a:t>document.documentElement - The full document</a:t>
             </a:r>
-            <a:endParaRPr lang="en-US" sz="2000"/>
           </a:p>
         </p:txBody>
       </p:sp>
@@ -5283,7 +5093,7 @@
         <p:spPr/>
         <p:txBody>
           <a:bodyPr>
-            <a:normAutofit fontScale="92500"/>
+            <a:normAutofit fontScale="92500" lnSpcReduction="10000"/>
           </a:bodyPr>
           <a:lstStyle/>
           <a:p>
@@ -5291,138 +5101,212 @@
               <a:buNone/>
             </a:pPr>
             <a:r>
-              <a:rPr lang="en-US" b="1"/>
-              <a:t>The nodeName Property</a:t>
-            </a:r>
-            <a:endParaRPr lang="en-US" b="1"/>
-          </a:p>
-          <a:p>
-            <a:r>
-              <a:rPr lang="en-US"/>
-              <a:t>The nodeName property specifies the name of a node.</a:t>
-            </a:r>
-            <a:endParaRPr lang="en-US"/>
-          </a:p>
-          <a:p>
-            <a:pPr lvl="1"/>
-            <a:r>
-              <a:rPr lang="en-US" altLang="en-US"/>
+              <a:rPr lang="en-US" b="1" dirty="0"/>
+              <a:t>The </a:t>
+            </a:r>
+            <a:r>
+              <a:rPr lang="en-US" b="1" dirty="0" err="1"/>
+              <a:t>nodeName</a:t>
+            </a:r>
+            <a:r>
+              <a:rPr lang="en-US" b="1" dirty="0"/>
+              <a:t> Property</a:t>
+            </a:r>
+          </a:p>
+          <a:p>
+            <a:r>
+              <a:rPr lang="en-US" dirty="0"/>
+              <a:t>The </a:t>
+            </a:r>
+            <a:r>
+              <a:rPr lang="en-US" dirty="0" err="1"/>
+              <a:t>nodeName</a:t>
+            </a:r>
+            <a:r>
+              <a:rPr lang="en-US" dirty="0"/>
+              <a:t> property specifies the name of a node.</a:t>
+            </a:r>
+          </a:p>
+          <a:p>
+            <a:pPr lvl="1"/>
+            <a:r>
+              <a:rPr lang="en-US" altLang="en-US" dirty="0" err="1"/>
               <a:t>n</a:t>
             </a:r>
             <a:r>
-              <a:rPr lang="en-US"/>
-              <a:t>odeName is read-only</a:t>
-            </a:r>
-            <a:endParaRPr lang="en-US"/>
-          </a:p>
-          <a:p>
-            <a:pPr lvl="1"/>
-            <a:r>
-              <a:rPr lang="en-US"/>
-              <a:t>nodeName of an element node is the same as the tag name</a:t>
-            </a:r>
-            <a:endParaRPr lang="en-US"/>
-          </a:p>
-          <a:p>
-            <a:pPr lvl="1"/>
-            <a:r>
-              <a:rPr lang="en-US"/>
-              <a:t>nodeName of an attribute node is the attribute name</a:t>
-            </a:r>
-            <a:endParaRPr lang="en-US"/>
-          </a:p>
-          <a:p>
-            <a:pPr lvl="1"/>
-            <a:r>
-              <a:rPr lang="en-US"/>
-              <a:t>nodeName of a text node is always #text</a:t>
-            </a:r>
-            <a:endParaRPr lang="en-US"/>
-          </a:p>
-          <a:p>
-            <a:pPr lvl="1"/>
-            <a:r>
-              <a:rPr lang="en-US"/>
-              <a:t>nodeName of the document node is always #document</a:t>
-            </a:r>
-            <a:endParaRPr lang="en-US"/>
-          </a:p>
-          <a:p>
-            <a:r>
-              <a:rPr lang="en-US"/>
+              <a:rPr lang="en-US" dirty="0" err="1"/>
+              <a:t>odeName</a:t>
+            </a:r>
+            <a:r>
+              <a:rPr lang="en-US" dirty="0"/>
+              <a:t> is read-only</a:t>
+            </a:r>
+          </a:p>
+          <a:p>
+            <a:pPr lvl="1"/>
+            <a:r>
+              <a:rPr lang="en-US" dirty="0" err="1"/>
+              <a:t>nodeName</a:t>
+            </a:r>
+            <a:r>
+              <a:rPr lang="en-US" dirty="0"/>
+              <a:t> of an element node is the same as the tag name</a:t>
+            </a:r>
+          </a:p>
+          <a:p>
+            <a:pPr lvl="1"/>
+            <a:r>
+              <a:rPr lang="en-US" dirty="0" err="1"/>
+              <a:t>nodeName</a:t>
+            </a:r>
+            <a:r>
+              <a:rPr lang="en-US" dirty="0"/>
+              <a:t> of an attribute node is the attribute name</a:t>
+            </a:r>
+          </a:p>
+          <a:p>
+            <a:pPr lvl="1"/>
+            <a:r>
+              <a:rPr lang="en-US" dirty="0" err="1"/>
+              <a:t>nodeName</a:t>
+            </a:r>
+            <a:r>
+              <a:rPr lang="en-US" dirty="0"/>
+              <a:t> of a text node is always #text</a:t>
+            </a:r>
+          </a:p>
+          <a:p>
+            <a:pPr lvl="1"/>
+            <a:r>
+              <a:rPr lang="en-US" dirty="0" err="1"/>
+              <a:t>nodeName</a:t>
+            </a:r>
+            <a:r>
+              <a:rPr lang="en-US" dirty="0"/>
+              <a:t> of the document node is always #document</a:t>
+            </a:r>
+          </a:p>
+          <a:p>
+            <a:r>
+              <a:rPr lang="en-US" dirty="0"/>
               <a:t>Example</a:t>
             </a:r>
-            <a:endParaRPr lang="en-US"/>
           </a:p>
           <a:p>
             <a:pPr marL="457200" lvl="1" indent="0">
               <a:buNone/>
             </a:pPr>
             <a:r>
-              <a:rPr lang="en-US"/>
+              <a:rPr lang="en-US" dirty="0"/>
               <a:t>&lt;h1 id="id01"&gt;My First Page&lt;/h1&gt;</a:t>
             </a:r>
-            <a:endParaRPr lang="en-US"/>
           </a:p>
           <a:p>
             <a:pPr marL="457200" lvl="1" indent="0">
               <a:buNone/>
             </a:pPr>
             <a:r>
-              <a:rPr lang="en-US"/>
+              <a:rPr lang="en-US" dirty="0"/>
               <a:t>&lt;p id="id02"&gt;&lt;/p&gt;</a:t>
             </a:r>
-            <a:endParaRPr lang="en-US"/>
           </a:p>
           <a:p>
             <a:pPr marL="457200" lvl="1" indent="0">
               <a:buNone/>
             </a:pPr>
             <a:r>
-              <a:rPr lang="en-US"/>
+              <a:rPr lang="en-US" dirty="0"/>
               <a:t>&lt;script&gt;</a:t>
             </a:r>
-            <a:endParaRPr lang="en-US"/>
           </a:p>
           <a:p>
             <a:pPr marL="457200" lvl="1" indent="0">
               <a:buNone/>
             </a:pPr>
             <a:r>
-              <a:rPr lang="en-US"/>
-              <a:t>document.getElementById("id02").innerHTML = document.getElementById("id01").nodeName;</a:t>
-            </a:r>
-            <a:endParaRPr lang="en-US"/>
+              <a:rPr lang="en-US" dirty="0" err="1"/>
+              <a:t>document.getElementById</a:t>
+            </a:r>
+            <a:r>
+              <a:rPr lang="en-US" dirty="0"/>
+              <a:t>("id02").</a:t>
+            </a:r>
+            <a:r>
+              <a:rPr lang="en-US" dirty="0" err="1"/>
+              <a:t>innerHTML</a:t>
+            </a:r>
+            <a:r>
+              <a:rPr lang="en-US" dirty="0"/>
+              <a:t> = </a:t>
+            </a:r>
+            <a:r>
+              <a:rPr lang="en-US" dirty="0" err="1"/>
+              <a:t>document.getElementById</a:t>
+            </a:r>
+            <a:r>
+              <a:rPr lang="en-US" dirty="0"/>
+              <a:t>("id01").</a:t>
+            </a:r>
+            <a:r>
+              <a:rPr lang="en-US" dirty="0" err="1"/>
+              <a:t>nodeName</a:t>
+            </a:r>
+            <a:r>
+              <a:rPr lang="en-US" dirty="0"/>
+              <a:t>;</a:t>
+            </a:r>
           </a:p>
           <a:p>
             <a:pPr marL="457200" lvl="1" indent="0">
               <a:buNone/>
             </a:pPr>
             <a:r>
-              <a:rPr lang="en-US"/>
+              <a:rPr lang="en-US" dirty="0"/>
               <a:t>&lt;/script&gt; </a:t>
             </a:r>
-            <a:endParaRPr lang="en-US"/>
           </a:p>
           <a:p>
             <a:pPr marL="457200" lvl="1" indent="0">
               <a:buNone/>
             </a:pPr>
-            <a:endParaRPr lang="en-US" b="1"/>
+            <a:endParaRPr lang="en-US" b="1" dirty="0"/>
           </a:p>
           <a:p>
             <a:pPr marL="457200" lvl="1" indent="0">
               <a:buNone/>
             </a:pPr>
             <a:r>
-              <a:rPr lang="en-US" b="1"/>
+              <a:rPr lang="en-US" b="1" dirty="0">
+                <a:highlight>
+                  <a:srgbClr val="00FFFF"/>
+                </a:highlight>
+              </a:rPr>
               <a:t>Note</a:t>
             </a:r>
             <a:r>
-              <a:rPr lang="en-US"/>
-              <a:t>: nodeName always contains the uppercase tag name of an HTML element.</a:t>
-            </a:r>
-            <a:endParaRPr lang="en-US"/>
+              <a:rPr lang="en-US" dirty="0">
+                <a:highlight>
+                  <a:srgbClr val="00FFFF"/>
+                </a:highlight>
+              </a:rPr>
+              <a:t>: </a:t>
+            </a:r>
+            <a:r>
+              <a:rPr lang="en-US" dirty="0" err="1">
+                <a:highlight>
+                  <a:srgbClr val="00FFFF"/>
+                </a:highlight>
+              </a:rPr>
+              <a:t>nodeName</a:t>
+            </a:r>
+            <a:r>
+              <a:rPr lang="en-US" dirty="0">
+                <a:highlight>
+                  <a:srgbClr val="00FFFF"/>
+                </a:highlight>
+              </a:rPr>
+              <a:t> always contains the uppercase tag name of an HTML element.</a:t>
+            </a:r>
           </a:p>
         </p:txBody>
       </p:sp>
@@ -5475,14 +5359,12 @@
               <a:rPr lang="en-US" b="1"/>
               <a:t>The nodeValue Property</a:t>
             </a:r>
-            <a:endParaRPr lang="en-US" b="1"/>
           </a:p>
           <a:p>
             <a:r>
               <a:rPr lang="en-US"/>
               <a:t>The nodeValue property specifies the value of a node.</a:t>
             </a:r>
-            <a:endParaRPr lang="en-US"/>
           </a:p>
           <a:p>
             <a:pPr lvl="1"/>
@@ -5490,7 +5372,6 @@
               <a:rPr lang="en-US"/>
               <a:t>nodeValue for element nodes is null</a:t>
             </a:r>
-            <a:endParaRPr lang="en-US"/>
           </a:p>
           <a:p>
             <a:pPr lvl="1"/>
@@ -5498,7 +5379,6 @@
               <a:rPr lang="en-US"/>
               <a:t>nodeValue for text nodes is the text itself</a:t>
             </a:r>
-            <a:endParaRPr lang="en-US"/>
           </a:p>
           <a:p>
             <a:pPr lvl="1"/>
@@ -5506,7 +5386,6 @@
               <a:rPr lang="en-US"/>
               <a:t>nodeValue for attribute nodes is the attribute value</a:t>
             </a:r>
-            <a:endParaRPr lang="en-US"/>
           </a:p>
           <a:p>
             <a:pPr marL="0" indent="0">
@@ -5523,14 +5402,12 @@
               <a:rPr lang="en-US"/>
               <a:t>The nodeType property is read only. It returns the type of a node.</a:t>
             </a:r>
-            <a:endParaRPr lang="en-US"/>
           </a:p>
           <a:p>
             <a:r>
               <a:rPr lang="en-US"/>
               <a:t>Example</a:t>
             </a:r>
-            <a:endParaRPr lang="en-US"/>
           </a:p>
           <a:p>
             <a:pPr marL="457200" lvl="1" indent="0">
@@ -5540,7 +5417,6 @@
               <a:rPr lang="en-US"/>
               <a:t>&lt;h1 id="id01"&gt;My First Page&lt;/h1&gt;</a:t>
             </a:r>
-            <a:endParaRPr lang="en-US"/>
           </a:p>
           <a:p>
             <a:pPr marL="457200" lvl="1" indent="0">
@@ -5550,7 +5426,6 @@
               <a:rPr lang="en-US"/>
               <a:t>&lt;p id="id02"&gt;&lt;/p&gt;</a:t>
             </a:r>
-            <a:endParaRPr lang="en-US"/>
           </a:p>
           <a:p>
             <a:pPr marL="457200" lvl="1" indent="0">
@@ -5560,7 +5435,6 @@
               <a:rPr lang="en-US"/>
               <a:t>&lt;script&gt;</a:t>
             </a:r>
-            <a:endParaRPr lang="en-US"/>
           </a:p>
           <a:p>
             <a:pPr marL="457200" lvl="1" indent="0">
@@ -5570,7 +5444,6 @@
               <a:rPr lang="en-US"/>
               <a:t>document.getElementById("id02").innerHTML = document.getElementById("id01").nodeType;</a:t>
             </a:r>
-            <a:endParaRPr lang="en-US"/>
           </a:p>
           <a:p>
             <a:pPr marL="457200" lvl="1" indent="0">
@@ -5580,7 +5453,6 @@
               <a:rPr lang="en-US"/>
               <a:t>&lt;/script&gt; </a:t>
             </a:r>
-            <a:endParaRPr lang="en-US"/>
           </a:p>
         </p:txBody>
       </p:sp>
@@ -5638,17 +5510,17 @@
             </a:r>
             <a:r>
               <a:rPr lang="en-US" sz="2000" dirty="0"/>
-              <a:t>Node 	            </a:t>
-            </a:r>
-            <a:r>
-              <a:rPr lang="en-US" sz="2000" dirty="0" smtClean="0"/>
-              <a:t>         Type </a:t>
-            </a:r>
+              <a:t>Node 	                     Type 	Example</a:t>
+            </a:r>
+          </a:p>
+          <a:p>
+            <a:pPr marL="457200" lvl="1" indent="0">
+              <a:buNone/>
+            </a:pPr>
             <a:r>
               <a:rPr lang="en-US" sz="2000" dirty="0"/>
-              <a:t>	Example</a:t>
-            </a:r>
-            <a:endParaRPr lang="en-US" sz="2000" dirty="0"/>
+              <a:t>ELEMENT_NODE 	            1        &lt;h1 class="heading"&gt;W3Schools&lt;/h1&gt;</a:t>
+            </a:r>
           </a:p>
           <a:p>
             <a:pPr marL="457200" lvl="1" indent="0">
@@ -5656,17 +5528,17 @@
             </a:pPr>
             <a:r>
               <a:rPr lang="en-US" sz="2000" dirty="0"/>
-              <a:t>ELEMENT_NODE 	</a:t>
-            </a:r>
-            <a:r>
-              <a:rPr lang="en-US" sz="2000" dirty="0" smtClean="0"/>
-              <a:t>            1        </a:t>
-            </a:r>
+              <a:t>ATTRIBUTE_NODE                2        class = "heading" (deprecated)</a:t>
+            </a:r>
+          </a:p>
+          <a:p>
+            <a:pPr marL="457200" lvl="1" indent="0">
+              <a:buNone/>
+            </a:pPr>
             <a:r>
               <a:rPr lang="en-US" sz="2000" dirty="0"/>
-              <a:t>&lt;h1 class="heading"&gt;W3Schools&lt;/h1&gt;</a:t>
-            </a:r>
-            <a:endParaRPr lang="en-US" sz="2000" dirty="0"/>
+              <a:t>TEXT_NODE 	            3        W3Schools</a:t>
+            </a:r>
           </a:p>
           <a:p>
             <a:pPr marL="457200" lvl="1" indent="0">
@@ -5674,17 +5546,17 @@
             </a:pPr>
             <a:r>
               <a:rPr lang="en-US" sz="2000" dirty="0"/>
-              <a:t>ATTRIBUTE_NODE </a:t>
-            </a:r>
-            <a:r>
-              <a:rPr lang="en-US" sz="2000" dirty="0" smtClean="0"/>
-              <a:t>               2        </a:t>
-            </a:r>
+              <a:t>COMMENT_NODE                 8        &lt;!-- This is a comment --&gt;</a:t>
+            </a:r>
+          </a:p>
+          <a:p>
+            <a:pPr marL="457200" lvl="1" indent="0">
+              <a:buNone/>
+            </a:pPr>
             <a:r>
               <a:rPr lang="en-US" sz="2000" dirty="0"/>
-              <a:t>class = "heading" (deprecated)</a:t>
-            </a:r>
-            <a:endParaRPr lang="en-US" sz="2000" dirty="0"/>
+              <a:t>DOCUMENT_NODE               9        The HTML document itself (the parent of &lt;html&gt;)</a:t>
+            </a:r>
           </a:p>
           <a:p>
             <a:pPr marL="457200" lvl="1" indent="0">
@@ -5692,69 +5564,7 @@
             </a:pPr>
             <a:r>
               <a:rPr lang="en-US" sz="2000" dirty="0"/>
-              <a:t>TEXT_NODE 	       </a:t>
-            </a:r>
-            <a:r>
-              <a:rPr lang="en-US" sz="2000" dirty="0" smtClean="0"/>
-              <a:t>     3        </a:t>
-            </a:r>
-            <a:r>
-              <a:rPr lang="en-US" sz="2000" dirty="0"/>
-              <a:t>W3Schools</a:t>
-            </a:r>
-            <a:endParaRPr lang="en-US" sz="2000" dirty="0"/>
-          </a:p>
-          <a:p>
-            <a:pPr marL="457200" lvl="1" indent="0">
-              <a:buNone/>
-            </a:pPr>
-            <a:r>
-              <a:rPr lang="en-US" sz="2000" dirty="0"/>
-              <a:t>COMMENT_NODE </a:t>
-            </a:r>
-            <a:r>
-              <a:rPr lang="en-US" sz="2000" dirty="0" smtClean="0"/>
-              <a:t>                8        </a:t>
-            </a:r>
-            <a:r>
-              <a:rPr lang="en-US" sz="2000" dirty="0"/>
-              <a:t>&lt;!-- This is a comment --&gt;</a:t>
-            </a:r>
-            <a:endParaRPr lang="en-US" sz="2000" dirty="0"/>
-          </a:p>
-          <a:p>
-            <a:pPr marL="457200" lvl="1" indent="0">
-              <a:buNone/>
-            </a:pPr>
-            <a:r>
-              <a:rPr lang="en-US" sz="2000" dirty="0"/>
-              <a:t>DOCUMENT_NODE </a:t>
-            </a:r>
-            <a:r>
-              <a:rPr lang="en-US" sz="2000" dirty="0" smtClean="0"/>
-              <a:t>              9        </a:t>
-            </a:r>
-            <a:r>
-              <a:rPr lang="en-US" sz="2000" dirty="0"/>
-              <a:t>The HTML document itself (the parent of &lt;html&gt;)</a:t>
-            </a:r>
-            <a:endParaRPr lang="en-US" sz="2000" dirty="0"/>
-          </a:p>
-          <a:p>
-            <a:pPr marL="457200" lvl="1" indent="0">
-              <a:buNone/>
-            </a:pPr>
-            <a:r>
-              <a:rPr lang="en-US" sz="2000" dirty="0"/>
-              <a:t>DOCUMENT_TYPE_NODE </a:t>
-            </a:r>
-            <a:r>
-              <a:rPr lang="en-US" sz="2000" dirty="0" smtClean="0"/>
-              <a:t>   10       </a:t>
-            </a:r>
-            <a:r>
-              <a:rPr lang="en-US" sz="2000" dirty="0"/>
-              <a:t>&lt;!</a:t>
+              <a:t>DOCUMENT_TYPE_NODE    10       &lt;!</a:t>
             </a:r>
             <a:r>
               <a:rPr lang="en-US" sz="2000" dirty="0" err="1"/>
@@ -5764,7 +5574,6 @@
               <a:rPr lang="en-US" sz="2000" dirty="0"/>
               <a:t> html&gt;</a:t>
             </a:r>
-            <a:endParaRPr lang="en-US" sz="2000" dirty="0"/>
           </a:p>
         </p:txBody>
       </p:sp>
@@ -5819,97 +5628,95 @@
               <a:rPr lang="en-US"/>
               <a:t>With the object model, JavaScript gets all the power it needs to create dynamic HTML:</a:t>
             </a:r>
+          </a:p>
+          <a:p>
+            <a:pPr lvl="1"/>
+            <a:r>
+              <a:rPr lang="en-US" sz="2800">
+                <a:sym typeface="+mn-ea"/>
+              </a:rPr>
+              <a:t> JavaScript can change all the HTML elements in the page</a:t>
+            </a:r>
+            <a:endParaRPr lang="en-US" sz="2800"/>
+          </a:p>
+          <a:p>
+            <a:pPr lvl="1"/>
+            <a:r>
+              <a:rPr lang="en-US" sz="2800">
+                <a:sym typeface="+mn-ea"/>
+              </a:rPr>
+              <a:t> JavaScript can change all the HTML attributes in the page</a:t>
+            </a:r>
+            <a:endParaRPr lang="en-US" sz="2800"/>
+          </a:p>
+          <a:p>
+            <a:pPr lvl="1"/>
+            <a:r>
+              <a:rPr lang="en-US" sz="2800">
+                <a:sym typeface="+mn-ea"/>
+              </a:rPr>
+              <a:t> JavaScript can change all the CSS styles in the page</a:t>
+            </a:r>
+            <a:endParaRPr lang="en-US" sz="2800"/>
+          </a:p>
+          <a:p>
+            <a:pPr lvl="1"/>
+            <a:r>
+              <a:rPr lang="en-US" sz="2800">
+                <a:sym typeface="+mn-ea"/>
+              </a:rPr>
+              <a:t> JavaScript can remove existing HTML elements and attributes</a:t>
+            </a:r>
+            <a:endParaRPr lang="en-US" sz="2800"/>
+          </a:p>
+          <a:p>
+            <a:pPr lvl="1"/>
+            <a:r>
+              <a:rPr lang="en-US" sz="2800">
+                <a:sym typeface="+mn-ea"/>
+              </a:rPr>
+              <a:t> JavaScript can add new HTML elements and attributes</a:t>
+            </a:r>
+            <a:endParaRPr lang="en-US" sz="2800"/>
+          </a:p>
+          <a:p>
+            <a:pPr lvl="1"/>
+            <a:r>
+              <a:rPr lang="en-US" sz="2800">
+                <a:sym typeface="+mn-ea"/>
+              </a:rPr>
+              <a:t> JavaScript can react to all existing HTML events in the page</a:t>
+            </a:r>
+            <a:endParaRPr lang="en-US" sz="2800"/>
+          </a:p>
+          <a:p>
+            <a:pPr lvl="1"/>
+            <a:r>
+              <a:rPr lang="en-US" sz="2800">
+                <a:sym typeface="+mn-ea"/>
+              </a:rPr>
+              <a:t> JavaScript can create new HTML events in the page</a:t>
+            </a:r>
+            <a:endParaRPr lang="en-US" sz="2800"/>
+          </a:p>
+          <a:p>
             <a:endParaRPr lang="en-US"/>
           </a:p>
           <a:p>
-            <a:pPr lvl="1"/>
             <a:r>
               <a:rPr lang="en-US" sz="2800">
                 <a:sym typeface="+mn-ea"/>
               </a:rPr>
-              <a:t> JavaScript can change all the HTML elements in the page</a:t>
-            </a:r>
-            <a:endParaRPr lang="en-US" sz="2800"/>
-          </a:p>
-          <a:p>
-            <a:pPr lvl="1"/>
-            <a:r>
-              <a:rPr lang="en-US" sz="2800">
-                <a:sym typeface="+mn-ea"/>
-              </a:rPr>
-              <a:t> JavaScript can change all the HTML attributes in the page</a:t>
-            </a:r>
-            <a:endParaRPr lang="en-US" sz="2800"/>
-          </a:p>
-          <a:p>
-            <a:pPr lvl="1"/>
-            <a:r>
-              <a:rPr lang="en-US" sz="2800">
-                <a:sym typeface="+mn-ea"/>
-              </a:rPr>
-              <a:t> JavaScript can change all the CSS styles in the page</a:t>
-            </a:r>
-            <a:endParaRPr lang="en-US" sz="2800"/>
-          </a:p>
-          <a:p>
-            <a:pPr lvl="1"/>
-            <a:r>
-              <a:rPr lang="en-US" sz="2800">
-                <a:sym typeface="+mn-ea"/>
-              </a:rPr>
-              <a:t> JavaScript can remove existing HTML elements and attributes</a:t>
-            </a:r>
-            <a:endParaRPr lang="en-US" sz="2800"/>
-          </a:p>
-          <a:p>
-            <a:pPr lvl="1"/>
-            <a:r>
-              <a:rPr lang="en-US" sz="2800">
-                <a:sym typeface="+mn-ea"/>
-              </a:rPr>
-              <a:t> JavaScript can add new HTML elements and attributes</a:t>
-            </a:r>
-            <a:endParaRPr lang="en-US" sz="2800"/>
-          </a:p>
-          <a:p>
-            <a:pPr lvl="1"/>
-            <a:r>
-              <a:rPr lang="en-US" sz="2800">
-                <a:sym typeface="+mn-ea"/>
-              </a:rPr>
-              <a:t> JavaScript can react to all existing HTML events in the page</a:t>
-            </a:r>
-            <a:endParaRPr lang="en-US" sz="2800"/>
-          </a:p>
-          <a:p>
-            <a:pPr lvl="1"/>
-            <a:r>
-              <a:rPr lang="en-US" sz="2800">
-                <a:sym typeface="+mn-ea"/>
-              </a:rPr>
-              <a:t> JavaScript can create new HTML events in the page</a:t>
-            </a:r>
-            <a:endParaRPr lang="en-US" sz="2800"/>
-          </a:p>
-          <a:p>
+              <a:t>The W3C DOM standard is separated into 3 different parts:</a:t>
+            </a:r>
             <a:endParaRPr lang="en-US"/>
           </a:p>
           <a:p>
-            <a:r>
-              <a:rPr lang="en-US" sz="2800">
-                <a:sym typeface="+mn-ea"/>
-              </a:rPr>
-              <a:t>The W3C DOM standard is separated into 3 different parts:</a:t>
-            </a:r>
-            <a:endParaRPr lang="en-US"/>
-          </a:p>
-          <a:p>
             <a:pPr lvl="1"/>
             <a:r>
               <a:rPr lang="en-US"/>
               <a:t>    Core DOM - standard model for all document types</a:t>
             </a:r>
-            <a:endParaRPr lang="en-US"/>
           </a:p>
           <a:p>
             <a:pPr lvl="1"/>
@@ -5917,7 +5724,6 @@
               <a:rPr lang="en-US"/>
               <a:t>    XML DOM - standard model for XML documents</a:t>
             </a:r>
-            <a:endParaRPr lang="en-US"/>
           </a:p>
           <a:p>
             <a:pPr lvl="1"/>
@@ -5925,7 +5731,6 @@
               <a:rPr lang="en-US"/>
               <a:t>    HTML DOM - standard model for HTML documents</a:t>
             </a:r>
-            <a:endParaRPr lang="en-US"/>
           </a:p>
         </p:txBody>
       </p:sp>
@@ -5973,7 +5778,6 @@
               <a:rPr lang="en-US"/>
               <a:t>HTML DOM</a:t>
             </a:r>
-            <a:endParaRPr lang="en-US"/>
           </a:p>
         </p:txBody>
       </p:sp>
@@ -5996,7 +5800,6 @@
               <a:rPr lang="en-US"/>
               <a:t>The HTML DOM is a standard object model and programming interface for HTML. It defines:</a:t>
             </a:r>
-            <a:endParaRPr lang="en-US"/>
           </a:p>
           <a:p>
             <a:pPr lvl="1"/>
@@ -6004,7 +5807,6 @@
               <a:rPr lang="en-US"/>
               <a:t>    The HTML elements as objects</a:t>
             </a:r>
-            <a:endParaRPr lang="en-US"/>
           </a:p>
           <a:p>
             <a:pPr lvl="1"/>
@@ -6012,7 +5814,6 @@
               <a:rPr lang="en-US"/>
               <a:t>    The properties of all HTML elements</a:t>
             </a:r>
-            <a:endParaRPr lang="en-US"/>
           </a:p>
           <a:p>
             <a:pPr lvl="1"/>
@@ -6020,7 +5821,6 @@
               <a:rPr lang="en-US"/>
               <a:t>    The methods to access all HTML elements</a:t>
             </a:r>
-            <a:endParaRPr lang="en-US"/>
           </a:p>
           <a:p>
             <a:pPr lvl="1"/>
@@ -6028,14 +5828,12 @@
               <a:rPr lang="en-US"/>
               <a:t>    The events for all HTML elements</a:t>
             </a:r>
-            <a:endParaRPr lang="en-US"/>
           </a:p>
           <a:p>
             <a:r>
               <a:rPr lang="en-US"/>
               <a:t>The HTML DOM is a standard for how to get, change, add, or delete HTML elements.</a:t>
             </a:r>
-            <a:endParaRPr lang="en-US"/>
           </a:p>
         </p:txBody>
       </p:sp>
@@ -6088,7 +5886,6 @@
               <a:rPr lang="en-US"/>
               <a:t>HTML DOM Methods </a:t>
             </a:r>
-            <a:endParaRPr lang="en-US"/>
           </a:p>
         </p:txBody>
       </p:sp>
@@ -6118,14 +5915,12 @@
               <a:rPr lang="en-US"/>
               <a:t>HTML DOM methods are actions you can perform (on HTML Elements).</a:t>
             </a:r>
-            <a:endParaRPr lang="en-US"/>
           </a:p>
           <a:p>
             <a:r>
               <a:rPr lang="en-US"/>
               <a:t>HTML DOM properties are values (of HTML Elements) that you can set or change.</a:t>
             </a:r>
-            <a:endParaRPr lang="en-US"/>
           </a:p>
           <a:p>
             <a:pPr marL="0" indent="0">
@@ -6135,28 +5930,24 @@
               <a:rPr lang="en-US" b="1"/>
               <a:t>The DOM Programming Interface</a:t>
             </a:r>
-            <a:endParaRPr lang="en-US" b="1"/>
           </a:p>
           <a:p>
             <a:r>
               <a:rPr lang="en-US"/>
               <a:t>The HTML DOM can be accessed with JavaScript (and with other programming languages).</a:t>
             </a:r>
-            <a:endParaRPr lang="en-US"/>
           </a:p>
           <a:p>
             <a:r>
               <a:rPr lang="en-US"/>
               <a:t>In the DOM, all HTML elements are defined as objects.</a:t>
             </a:r>
-            <a:endParaRPr lang="en-US"/>
           </a:p>
           <a:p>
             <a:r>
               <a:rPr lang="en-US"/>
               <a:t>The programming interface is the properties and methods of each object.</a:t>
             </a:r>
-            <a:endParaRPr lang="en-US"/>
           </a:p>
           <a:p>
             <a:pPr marL="457200" lvl="1" indent="0">
@@ -6170,18 +5961,12 @@
               </a:rPr>
               <a:t>document.getElementById("demo").innerHTML = "Hello World!";</a:t>
             </a:r>
-            <a:endParaRPr lang="en-US">
-              <a:solidFill>
-                <a:srgbClr val="FF0000"/>
-              </a:solidFill>
-            </a:endParaRPr>
           </a:p>
           <a:p>
             <a:r>
               <a:rPr lang="en-US"/>
               <a:t>getElementById is a method, while innerHTML is a property.</a:t>
             </a:r>
-            <a:endParaRPr lang="en-US"/>
           </a:p>
           <a:p>
             <a:endParaRPr lang="en-US"/>
@@ -6237,7 +6022,6 @@
               <a:rPr lang="en-US"/>
               <a:t>HTML DOM Document</a:t>
             </a:r>
-            <a:endParaRPr lang="en-US"/>
           </a:p>
         </p:txBody>
       </p:sp>
@@ -6267,14 +6051,12 @@
               <a:rPr lang="en-US" sz="2000" dirty="0"/>
               <a:t>The document object represents your web page.</a:t>
             </a:r>
-            <a:endParaRPr lang="en-US" sz="2000" dirty="0"/>
           </a:p>
           <a:p>
             <a:r>
               <a:rPr lang="en-US" sz="2000" dirty="0"/>
               <a:t>If you want to access any element in an HTML page, you always start with accessing the document object.</a:t>
             </a:r>
-            <a:endParaRPr lang="en-US" sz="2000" dirty="0"/>
           </a:p>
           <a:p>
             <a:pPr lvl="1"/>
@@ -6390,7 +6172,6 @@
               <a:rPr lang="en-US" sz="2000" dirty="0"/>
               <a:t>Change the inner HTML of an element</a:t>
             </a:r>
-            <a:endParaRPr lang="en-US" sz="2000" dirty="0"/>
           </a:p>
           <a:p>
             <a:pPr lvl="1"/>
@@ -6410,7 +6191,6 @@
               <a:rPr lang="en-US" sz="2000" dirty="0"/>
               <a:t> 	Change the attribute value of an HTML element</a:t>
             </a:r>
-            <a:endParaRPr lang="en-US" sz="2000" dirty="0"/>
           </a:p>
           <a:p>
             <a:pPr lvl="1"/>
@@ -6428,13 +6208,8 @@
             </a:r>
             <a:r>
               <a:rPr lang="en-US" sz="2000" dirty="0"/>
-              <a:t>Change the style of an HTML </a:t>
-            </a:r>
-            <a:r>
-              <a:rPr lang="en-US" sz="2000" dirty="0" smtClean="0"/>
-              <a:t>element</a:t>
-            </a:r>
-            <a:endParaRPr lang="en-US" sz="2000" dirty="0" smtClean="0"/>
+              <a:t>Change the style of an HTML element</a:t>
+            </a:r>
           </a:p>
           <a:p>
             <a:pPr lvl="1"/>
@@ -6458,7 +6233,6 @@
               <a:rPr lang="en-US" sz="2000" dirty="0"/>
               <a:t>Change the attribute value of an HTML element</a:t>
             </a:r>
-            <a:endParaRPr lang="en-US" sz="2000" dirty="0"/>
           </a:p>
         </p:txBody>
       </p:sp>
@@ -6528,7 +6302,6 @@
               <a:rPr lang="en-US" sz="2200" dirty="0"/>
               <a:t>(element) 		Create an HTML element</a:t>
             </a:r>
-            <a:endParaRPr lang="en-US" sz="2200" dirty="0"/>
           </a:p>
           <a:p>
             <a:pPr lvl="1"/>
@@ -6538,17 +6311,8 @@
             </a:r>
             <a:r>
               <a:rPr lang="en-US" sz="2200" dirty="0"/>
-              <a:t>(element) 	</a:t>
-            </a:r>
-            <a:r>
-              <a:rPr lang="en-US" sz="2200" dirty="0" smtClean="0"/>
-              <a:t>	Remove </a:t>
-            </a:r>
-            <a:r>
-              <a:rPr lang="en-US" sz="2200" dirty="0"/>
-              <a:t>an HTML element</a:t>
-            </a:r>
-            <a:endParaRPr lang="en-US" sz="2200" dirty="0"/>
+              <a:t>(element) 		Remove an HTML element</a:t>
+            </a:r>
           </a:p>
           <a:p>
             <a:pPr lvl="1"/>
@@ -6558,17 +6322,8 @@
             </a:r>
             <a:r>
               <a:rPr lang="en-US" sz="2200" dirty="0"/>
-              <a:t>(element) 	</a:t>
-            </a:r>
-            <a:r>
-              <a:rPr lang="en-US" sz="2200" dirty="0" smtClean="0"/>
-              <a:t>	Add </a:t>
-            </a:r>
-            <a:r>
-              <a:rPr lang="en-US" sz="2200" dirty="0"/>
-              <a:t>an HTML element</a:t>
-            </a:r>
-            <a:endParaRPr lang="en-US" sz="2200" dirty="0"/>
+              <a:t>(element) 		Add an HTML element</a:t>
+            </a:r>
           </a:p>
           <a:p>
             <a:pPr lvl="1"/>
@@ -6578,17 +6333,8 @@
             </a:r>
             <a:r>
               <a:rPr lang="en-US" sz="2200" dirty="0"/>
-              <a:t>(new, old) </a:t>
-            </a:r>
-            <a:r>
-              <a:rPr lang="en-US" sz="2200" dirty="0" smtClean="0"/>
-              <a:t>	</a:t>
-            </a:r>
-            <a:r>
-              <a:rPr lang="en-US" sz="2200" dirty="0"/>
-              <a:t>	Replace an HTML element</a:t>
-            </a:r>
-            <a:endParaRPr lang="en-US" sz="2200" dirty="0"/>
+              <a:t>(new, old) 		Replace an HTML element</a:t>
+            </a:r>
           </a:p>
           <a:p>
             <a:pPr lvl="1"/>
@@ -6598,17 +6344,8 @@
             </a:r>
             <a:r>
               <a:rPr lang="en-US" sz="2200" dirty="0"/>
-              <a:t>(text) 	</a:t>
-            </a:r>
-            <a:r>
-              <a:rPr lang="en-US" sz="2200" dirty="0" smtClean="0"/>
-              <a:t>			Write </a:t>
-            </a:r>
-            <a:r>
-              <a:rPr lang="en-US" sz="2200" dirty="0"/>
-              <a:t>into the HTML output stream</a:t>
-            </a:r>
-            <a:endParaRPr lang="en-US" sz="2200" dirty="0"/>
+              <a:t>(text) 				Write into the HTML output stream</a:t>
+            </a:r>
           </a:p>
           <a:p>
             <a:pPr marL="0" indent="0">
@@ -6646,7 +6383,6 @@
               <a:rPr lang="en-US" sz="2200" dirty="0"/>
               <a:t> event</a:t>
             </a:r>
-            <a:endParaRPr lang="en-US" sz="2200" dirty="0"/>
           </a:p>
           <a:p>
             <a:pPr marL="0" indent="0">
@@ -6668,7 +6404,6 @@
               <a:rPr lang="en-US" sz="2200" dirty="0"/>
               <a:t> 	Returns all &lt;a&gt; elements that have a name attribute </a:t>
             </a:r>
-            <a:endParaRPr lang="en-US" sz="2200" dirty="0"/>
           </a:p>
           <a:p>
             <a:pPr lvl="1"/>
@@ -6680,7 +6415,6 @@
               <a:rPr lang="en-US" sz="2200" dirty="0"/>
               <a:t> 	Returns all &lt;applet&gt; elements (Deprecated in HTML5) </a:t>
             </a:r>
-            <a:endParaRPr lang="en-US" sz="2200" dirty="0"/>
           </a:p>
           <a:p>
             <a:pPr lvl="1"/>
@@ -6692,7 +6426,6 @@
               <a:rPr lang="en-US" sz="2200" dirty="0"/>
               <a:t> 	Returns the absolute base URI of the document </a:t>
             </a:r>
-            <a:endParaRPr lang="en-US" sz="2200" dirty="0"/>
           </a:p>
           <a:p>
             <a:pPr lvl="1"/>
@@ -6702,17 +6435,8 @@
             </a:r>
             <a:r>
               <a:rPr lang="en-US" sz="2200" dirty="0"/>
-              <a:t>            </a:t>
-            </a:r>
-            <a:r>
-              <a:rPr lang="en-US" sz="2200" dirty="0" smtClean="0"/>
-              <a:t>Returns </a:t>
-            </a:r>
-            <a:r>
-              <a:rPr lang="en-US" sz="2200" dirty="0"/>
-              <a:t>the &lt;body&gt; element 	</a:t>
-            </a:r>
-            <a:endParaRPr lang="en-US" sz="2200" dirty="0"/>
+              <a:t>            Returns the &lt;body&gt; element 	</a:t>
+            </a:r>
           </a:p>
           <a:p>
             <a:pPr lvl="1"/>
@@ -6722,17 +6446,8 @@
             </a:r>
             <a:r>
               <a:rPr lang="en-US" sz="2200" dirty="0"/>
-              <a:t> 	</a:t>
-            </a:r>
-            <a:r>
-              <a:rPr lang="en-US" sz="2200" dirty="0" smtClean="0"/>
-              <a:t>Returns </a:t>
-            </a:r>
-            <a:r>
-              <a:rPr lang="en-US" sz="2200" dirty="0"/>
-              <a:t>the document's cookie 	</a:t>
-            </a:r>
-            <a:endParaRPr lang="en-US" sz="2200" dirty="0"/>
+              <a:t> 	Returns the document's cookie 	</a:t>
+            </a:r>
           </a:p>
           <a:p>
             <a:pPr lvl="1"/>
@@ -6811,7 +6526,6 @@
               <a:rPr lang="en-US" sz="2400"/>
               <a:t>Returns the &lt;html&gt; element 	</a:t>
             </a:r>
-            <a:endParaRPr lang="en-US" sz="2400"/>
           </a:p>
           <a:p>
             <a:r>
@@ -6826,7 +6540,6 @@
               <a:rPr lang="en-US" sz="2400"/>
               <a:t>Returns the mode used by the browser</a:t>
             </a:r>
-            <a:endParaRPr lang="en-US" sz="2400"/>
           </a:p>
           <a:p>
             <a:r>
@@ -6841,7 +6554,6 @@
               <a:rPr lang="en-US" sz="2400"/>
               <a:t>Returns the URI of the document 	</a:t>
             </a:r>
-            <a:endParaRPr lang="en-US" sz="2400"/>
           </a:p>
           <a:p>
             <a:r>
@@ -6856,7 +6568,6 @@
               <a:rPr lang="en-US" sz="2400"/>
               <a:t>Returns the domain name of the document server 	 </a:t>
             </a:r>
-            <a:endParaRPr lang="en-US" sz="2400"/>
           </a:p>
           <a:p>
             <a:r>
@@ -6871,7 +6582,6 @@
               <a:rPr lang="en-US" sz="2400"/>
               <a:t>Returns all &lt;embed&gt; elements 	</a:t>
             </a:r>
-            <a:endParaRPr lang="en-US" sz="2400"/>
           </a:p>
           <a:p>
             <a:r>
@@ -6886,7 +6596,6 @@
               <a:rPr lang="en-US" sz="2400"/>
               <a:t>Returns all &lt;form&gt; elements 	</a:t>
             </a:r>
-            <a:endParaRPr lang="en-US" sz="2400"/>
           </a:p>
           <a:p>
             <a:r>
@@ -6901,7 +6610,6 @@
               <a:rPr lang="en-US" sz="2400"/>
               <a:t>Returns the &lt;head&gt; element 	</a:t>
             </a:r>
-            <a:endParaRPr lang="en-US" sz="2400"/>
           </a:p>
           <a:p>
             <a:r>
@@ -6916,7 +6624,6 @@
               <a:rPr lang="en-US" sz="2400"/>
               <a:t>Returns all &lt;img&gt; elements 	</a:t>
             </a:r>
-            <a:endParaRPr lang="en-US" sz="2400"/>
           </a:p>
           <a:p>
             <a:r>
@@ -6931,7 +6638,6 @@
               <a:rPr lang="en-US" sz="2400"/>
               <a:t>Returns the DOM implementation </a:t>
             </a:r>
-            <a:endParaRPr lang="en-US" sz="2400"/>
           </a:p>
           <a:p>
             <a:r>
@@ -6946,7 +6652,6 @@
               <a:rPr lang="en-US" sz="2400"/>
               <a:t>Returns the document's encoding 	</a:t>
             </a:r>
-            <a:endParaRPr lang="en-US" sz="2400"/>
           </a:p>
           <a:p>
             <a:r>
@@ -7128,25 +6833,13 @@
               <a:rPr lang="en-US" altLang="en-US" dirty="0">
                 <a:sym typeface="+mn-ea"/>
               </a:rPr>
-              <a:t>-</a:t>
-            </a:r>
-            <a:r>
-              <a:rPr lang="en-US" altLang="en-US" dirty="0" smtClean="0">
-                <a:sym typeface="+mn-ea"/>
-              </a:rPr>
-              <a:t>-&gt;</a:t>
-            </a:r>
-            <a:r>
-              <a:rPr lang="en-US" dirty="0" smtClean="0">
-                <a:sym typeface="+mn-ea"/>
-              </a:rPr>
-              <a:t>Returns </a:t>
+              <a:t>--&gt;</a:t>
             </a:r>
             <a:r>
               <a:rPr lang="en-US" dirty="0">
                 <a:sym typeface="+mn-ea"/>
               </a:rPr>
-              <a:t>the &lt;title&gt; element 	</a:t>
+              <a:t>Returns the &lt;title&gt; element 	</a:t>
             </a:r>
             <a:endParaRPr lang="en-US" dirty="0"/>
           </a:p>
@@ -7161,25 +6854,13 @@
               <a:rPr lang="en-US" altLang="en-US" dirty="0">
                 <a:sym typeface="+mn-ea"/>
               </a:rPr>
-              <a:t>-</a:t>
-            </a:r>
-            <a:r>
-              <a:rPr lang="en-US" altLang="en-US" dirty="0" smtClean="0">
-                <a:sym typeface="+mn-ea"/>
-              </a:rPr>
-              <a:t>-&gt;</a:t>
-            </a:r>
-            <a:r>
-              <a:rPr lang="en-US" dirty="0" smtClean="0">
-                <a:sym typeface="+mn-ea"/>
-              </a:rPr>
-              <a:t>Returns </a:t>
+              <a:t>--&gt;</a:t>
             </a:r>
             <a:r>
               <a:rPr lang="en-US" dirty="0">
                 <a:sym typeface="+mn-ea"/>
               </a:rPr>
-              <a:t>the complete URL of the document</a:t>
+              <a:t>Returns the complete URL of the document</a:t>
             </a:r>
             <a:endParaRPr lang="en-US" dirty="0"/>
           </a:p>
@@ -7447,6 +7128,8 @@
       </a:bgFillStyleLst>
     </a:fmtScheme>
   </a:themeElements>
+  <a:objectDefaults/>
+  <a:extraClrSchemeLst/>
   <a:extLst>
     <a:ext uri="{05A4C25C-085E-4340-85A3-A5531E510DB2}">
       <thm15:themeFamily xmlns:thm15="http://schemas.microsoft.com/office/thememl/2012/main" name="Office Theme" id="{62F939B6-93AF-4DB8-9C6B-D6C7DFDC589F}" vid="{4A3C46E8-61CC-4603-A589-7422A47A8E4A}"/>
